--- a/Linux and Unix/Unit 1.pptx
+++ b/Linux and Unix/Unit 1.pptx
@@ -145,6 +145,86 @@
 </p:presentation>
 </file>
 
+<file path=ppt/authors.xml><?xml version="1.0" encoding="utf-8"?>
+<p188:authorLst xmlns:a="http://schemas.openxmlformats.org/drawingml/2006/main" xmlns:r="http://schemas.openxmlformats.org/officeDocument/2006/relationships" xmlns:p188="http://schemas.microsoft.com/office/powerpoint/2018/8/main">
+  <p188:author id="{F546BDE5-950C-766E-D6A1-E8BE00F2FC6A}" name="ATHARVA SHAH  (Student)" initials="AS(" userId="S::atharva.shah@deccansociety.org::dbbf3d5e-927d-4e7c-a34d-ba6a8ff022a5" providerId="AD"/>
+</p188:authorLst>
+</file>
+
+<file path=ppt/comments/modernComment_104_1103C6D4.xml><?xml version="1.0" encoding="utf-8"?>
+<p188:cmLst xmlns:a="http://schemas.openxmlformats.org/drawingml/2006/main" xmlns:r="http://schemas.openxmlformats.org/officeDocument/2006/relationships" xmlns:p188="http://schemas.microsoft.com/office/powerpoint/2018/8/main">
+  <p188:cm id="{0F464183-D6A3-4675-BBBD-5A7BD3592489}" authorId="{F546BDE5-950C-766E-D6A1-E8BE00F2FC6A}" created="2023-03-13T03:44:19.786">
+    <ac:txMkLst xmlns:ac="http://schemas.microsoft.com/office/drawing/2013/main/command">
+      <pc:docMk xmlns:pc="http://schemas.microsoft.com/office/powerpoint/2013/main/command"/>
+      <pc:sldMk xmlns:pc="http://schemas.microsoft.com/office/powerpoint/2013/main/command" cId="285460180" sldId="260"/>
+      <ac:spMk id="4098" creationId="{00000000-0000-0000-0000-000000000000}"/>
+      <ac:txMk cp="0" len="12">
+        <ac:context len="13" hash="1496204867"/>
+      </ac:txMk>
+    </ac:txMkLst>
+    <p188:pos x="3097696" y="598971"/>
+    <p188:txBody>
+      <a:bodyPr/>
+      <a:lstStyle/>
+      <a:p>
+        <a:r>
+          <a:rPr lang="en-US"/>
+          <a:t>Describe History of Unix OS</a:t>
+        </a:r>
+      </a:p>
+    </p188:txBody>
+  </p188:cm>
+</p188:cmLst>
+</file>
+
+<file path=ppt/comments/modernComment_109_85056D14.xml><?xml version="1.0" encoding="utf-8"?>
+<p188:cmLst xmlns:a="http://schemas.openxmlformats.org/drawingml/2006/main" xmlns:r="http://schemas.openxmlformats.org/officeDocument/2006/relationships" xmlns:p188="http://schemas.microsoft.com/office/powerpoint/2018/8/main">
+  <p188:cm id="{C9716138-96EA-4617-88BD-CF0CCB20248C}" authorId="{F546BDE5-950C-766E-D6A1-E8BE00F2FC6A}" created="2023-03-13T03:42:29.141">
+    <ac:deMkLst xmlns:ac="http://schemas.microsoft.com/office/drawing/2013/main/command">
+      <pc:docMk xmlns:pc="http://schemas.microsoft.com/office/powerpoint/2013/main/command"/>
+      <pc:sldMk xmlns:pc="http://schemas.microsoft.com/office/powerpoint/2013/main/command" cId="2231725332" sldId="265"/>
+      <ac:spMk id="3" creationId="{00000000-0000-0000-0000-000000000000}"/>
+    </ac:deMkLst>
+    <p188:txBody>
+      <a:bodyPr/>
+      <a:lstStyle/>
+      <a:p>
+        <a:r>
+          <a:rPr lang="en-US"/>
+          <a:t>Explain OS and write about Unix OS with diagram</a:t>
+        </a:r>
+      </a:p>
+    </p188:txBody>
+  </p188:cm>
+</p188:cmLst>
+</file>
+
+<file path=ppt/comments/modernComment_10D_64807DE2.xml><?xml version="1.0" encoding="utf-8"?>
+<p188:cmLst xmlns:a="http://schemas.openxmlformats.org/drawingml/2006/main" xmlns:r="http://schemas.openxmlformats.org/officeDocument/2006/relationships" xmlns:p188="http://schemas.microsoft.com/office/powerpoint/2018/8/main">
+  <p188:cm id="{9E0FB389-8ED1-4B39-B16A-06B63AE7326A}" authorId="{F546BDE5-950C-766E-D6A1-E8BE00F2FC6A}" created="2023-03-13T03:44:47.438">
+    <ac:txMkLst xmlns:ac="http://schemas.microsoft.com/office/drawing/2013/main/command">
+      <pc:docMk xmlns:pc="http://schemas.microsoft.com/office/powerpoint/2013/main/command"/>
+      <pc:sldMk xmlns:pc="http://schemas.microsoft.com/office/powerpoint/2013/main/command" cId="1686142434" sldId="269"/>
+      <ac:spMk id="2" creationId="{00000000-0000-0000-0000-000000000000}"/>
+      <ac:txMk cp="0" len="32">
+        <ac:context len="34" hash="3758333569"/>
+      </ac:txMk>
+    </ac:txMkLst>
+    <p188:pos x="7282070" y="290858"/>
+    <p188:txBody>
+      <a:bodyPr/>
+      <a:lstStyle/>
+      <a:p>
+        <a:r>
+          <a:rPr lang="en-US"/>
+          <a:t>Short note on File System</a:t>
+        </a:r>
+      </a:p>
+    </p188:txBody>
+  </p188:cm>
+</p188:cmLst>
+</file>
+
 <file path=ppt/notesMasters/notesMaster1.xml><?xml version="1.0" encoding="utf-8"?>
 <p:notesMaster xmlns:a="http://schemas.openxmlformats.org/drawingml/2006/main" xmlns:r="http://schemas.openxmlformats.org/officeDocument/2006/relationships" xmlns:p="http://schemas.openxmlformats.org/presentationml/2006/main">
   <p:cSld>
@@ -227,7 +307,7 @@
           <a:p>
             <a:fld id="{D5F584E4-BDDE-41FC-BE42-829D2A6070DE}" type="datetimeFigureOut">
               <a:rPr lang="en-IN" smtClean="0"/>
-              <a:t>11-12-2022</a:t>
+              <a:t>13-03-2023</a:t>
             </a:fld>
             <a:endParaRPr lang="en-IN"/>
           </a:p>
@@ -291,35 +371,35 @@
           <a:p>
             <a:pPr lvl="0"/>
             <a:r>
-              <a:rPr lang="en-US" smtClean="0"/>
+              <a:rPr lang="en-US"/>
               <a:t>Click to edit Master text styles</a:t>
             </a:r>
           </a:p>
           <a:p>
             <a:pPr lvl="1"/>
             <a:r>
-              <a:rPr lang="en-US" smtClean="0"/>
+              <a:rPr lang="en-US"/>
               <a:t>Second level</a:t>
             </a:r>
           </a:p>
           <a:p>
             <a:pPr lvl="2"/>
             <a:r>
-              <a:rPr lang="en-US" smtClean="0"/>
+              <a:rPr lang="en-US"/>
               <a:t>Third level</a:t>
             </a:r>
           </a:p>
           <a:p>
             <a:pPr lvl="3"/>
             <a:r>
-              <a:rPr lang="en-US" smtClean="0"/>
+              <a:rPr lang="en-US"/>
               <a:t>Fourth level</a:t>
             </a:r>
           </a:p>
           <a:p>
             <a:pPr lvl="4"/>
             <a:r>
-              <a:rPr lang="en-US" smtClean="0"/>
+              <a:rPr lang="en-US"/>
               <a:t>Fifth level</a:t>
             </a:r>
             <a:endParaRPr lang="en-IN"/>
@@ -542,7 +622,7 @@
         <p:nvSpPr>
           <p:cNvPr id="10242" name="Rectangle 2"/>
           <p:cNvSpPr>
-            <a:spLocks noRot="1" noChangeArrowheads="1" noTextEdit="1"/>
+            <a:spLocks noGrp="1" noRot="1" noChangeAspect="1" noChangeArrowheads="1" noTextEdit="1"/>
           </p:cNvSpPr>
           <p:nvPr>
             <p:ph type="sldImg"/>
@@ -631,7 +711,7 @@
         <p:nvSpPr>
           <p:cNvPr id="10242" name="Rectangle 2"/>
           <p:cNvSpPr>
-            <a:spLocks noRot="1" noChangeArrowheads="1" noTextEdit="1"/>
+            <a:spLocks noGrp="1" noRot="1" noChangeAspect="1" noChangeArrowheads="1" noTextEdit="1"/>
           </p:cNvSpPr>
           <p:nvPr>
             <p:ph type="sldImg"/>
@@ -720,7 +800,7 @@
         <p:nvSpPr>
           <p:cNvPr id="11266" name="Rectangle 2"/>
           <p:cNvSpPr>
-            <a:spLocks noRot="1" noChangeArrowheads="1" noTextEdit="1"/>
+            <a:spLocks noGrp="1" noRot="1" noChangeAspect="1" noChangeArrowheads="1" noTextEdit="1"/>
           </p:cNvSpPr>
           <p:nvPr>
             <p:ph type="sldImg"/>
@@ -804,7 +884,7 @@
           </a:lstStyle>
           <a:p>
             <a:r>
-              <a:rPr lang="en-US" smtClean="0"/>
+              <a:rPr lang="en-US"/>
               <a:t>Click to edit Master title style</a:t>
             </a:r>
             <a:endParaRPr lang="en-IN"/>
@@ -869,7 +949,7 @@
           </a:lstStyle>
           <a:p>
             <a:r>
-              <a:rPr lang="en-US" smtClean="0"/>
+              <a:rPr lang="en-US"/>
               <a:t>Click to edit Master subtitle style</a:t>
             </a:r>
             <a:endParaRPr lang="en-IN"/>
@@ -893,7 +973,7 @@
           <a:p>
             <a:fld id="{D8E15C20-523A-4546-901D-C7C0C6B0E9AC}" type="datetimeFigureOut">
               <a:rPr lang="en-IN" smtClean="0"/>
-              <a:t>11-12-2022</a:t>
+              <a:t>13-03-2023</a:t>
             </a:fld>
             <a:endParaRPr lang="en-IN"/>
           </a:p>
@@ -987,7 +1067,7 @@
           <a:lstStyle/>
           <a:p>
             <a:r>
-              <a:rPr lang="en-US" smtClean="0"/>
+              <a:rPr lang="en-US"/>
               <a:t>Click to edit Master title style</a:t>
             </a:r>
             <a:endParaRPr lang="en-IN"/>
@@ -1011,35 +1091,35 @@
           <a:p>
             <a:pPr lvl="0"/>
             <a:r>
-              <a:rPr lang="en-US" smtClean="0"/>
+              <a:rPr lang="en-US"/>
               <a:t>Click to edit Master text styles</a:t>
             </a:r>
           </a:p>
           <a:p>
             <a:pPr lvl="1"/>
             <a:r>
-              <a:rPr lang="en-US" smtClean="0"/>
+              <a:rPr lang="en-US"/>
               <a:t>Second level</a:t>
             </a:r>
           </a:p>
           <a:p>
             <a:pPr lvl="2"/>
             <a:r>
-              <a:rPr lang="en-US" smtClean="0"/>
+              <a:rPr lang="en-US"/>
               <a:t>Third level</a:t>
             </a:r>
           </a:p>
           <a:p>
             <a:pPr lvl="3"/>
             <a:r>
-              <a:rPr lang="en-US" smtClean="0"/>
+              <a:rPr lang="en-US"/>
               <a:t>Fourth level</a:t>
             </a:r>
           </a:p>
           <a:p>
             <a:pPr lvl="4"/>
             <a:r>
-              <a:rPr lang="en-US" smtClean="0"/>
+              <a:rPr lang="en-US"/>
               <a:t>Fifth level</a:t>
             </a:r>
             <a:endParaRPr lang="en-IN"/>
@@ -1063,7 +1143,7 @@
           <a:p>
             <a:fld id="{D8E15C20-523A-4546-901D-C7C0C6B0E9AC}" type="datetimeFigureOut">
               <a:rPr lang="en-IN" smtClean="0"/>
-              <a:t>11-12-2022</a:t>
+              <a:t>13-03-2023</a:t>
             </a:fld>
             <a:endParaRPr lang="en-IN"/>
           </a:p>
@@ -1162,7 +1242,7 @@
           <a:lstStyle/>
           <a:p>
             <a:r>
-              <a:rPr lang="en-US" smtClean="0"/>
+              <a:rPr lang="en-US"/>
               <a:t>Click to edit Master title style</a:t>
             </a:r>
             <a:endParaRPr lang="en-IN"/>
@@ -1191,35 +1271,35 @@
           <a:p>
             <a:pPr lvl="0"/>
             <a:r>
-              <a:rPr lang="en-US" smtClean="0"/>
+              <a:rPr lang="en-US"/>
               <a:t>Click to edit Master text styles</a:t>
             </a:r>
           </a:p>
           <a:p>
             <a:pPr lvl="1"/>
             <a:r>
-              <a:rPr lang="en-US" smtClean="0"/>
+              <a:rPr lang="en-US"/>
               <a:t>Second level</a:t>
             </a:r>
           </a:p>
           <a:p>
             <a:pPr lvl="2"/>
             <a:r>
-              <a:rPr lang="en-US" smtClean="0"/>
+              <a:rPr lang="en-US"/>
               <a:t>Third level</a:t>
             </a:r>
           </a:p>
           <a:p>
             <a:pPr lvl="3"/>
             <a:r>
-              <a:rPr lang="en-US" smtClean="0"/>
+              <a:rPr lang="en-US"/>
               <a:t>Fourth level</a:t>
             </a:r>
           </a:p>
           <a:p>
             <a:pPr lvl="4"/>
             <a:r>
-              <a:rPr lang="en-US" smtClean="0"/>
+              <a:rPr lang="en-US"/>
               <a:t>Fifth level</a:t>
             </a:r>
             <a:endParaRPr lang="en-IN"/>
@@ -1243,7 +1323,7 @@
           <a:p>
             <a:fld id="{D8E15C20-523A-4546-901D-C7C0C6B0E9AC}" type="datetimeFigureOut">
               <a:rPr lang="en-IN" smtClean="0"/>
-              <a:t>11-12-2022</a:t>
+              <a:t>13-03-2023</a:t>
             </a:fld>
             <a:endParaRPr lang="en-IN"/>
           </a:p>
@@ -1337,7 +1417,7 @@
           <a:lstStyle/>
           <a:p>
             <a:r>
-              <a:rPr lang="en-US" smtClean="0"/>
+              <a:rPr lang="en-US"/>
               <a:t>Click to edit Master title style</a:t>
             </a:r>
             <a:endParaRPr lang="en-IN"/>
@@ -1361,35 +1441,35 @@
           <a:p>
             <a:pPr lvl="0"/>
             <a:r>
-              <a:rPr lang="en-US" smtClean="0"/>
+              <a:rPr lang="en-US"/>
               <a:t>Click to edit Master text styles</a:t>
             </a:r>
           </a:p>
           <a:p>
             <a:pPr lvl="1"/>
             <a:r>
-              <a:rPr lang="en-US" smtClean="0"/>
+              <a:rPr lang="en-US"/>
               <a:t>Second level</a:t>
             </a:r>
           </a:p>
           <a:p>
             <a:pPr lvl="2"/>
             <a:r>
-              <a:rPr lang="en-US" smtClean="0"/>
+              <a:rPr lang="en-US"/>
               <a:t>Third level</a:t>
             </a:r>
           </a:p>
           <a:p>
             <a:pPr lvl="3"/>
             <a:r>
-              <a:rPr lang="en-US" smtClean="0"/>
+              <a:rPr lang="en-US"/>
               <a:t>Fourth level</a:t>
             </a:r>
           </a:p>
           <a:p>
             <a:pPr lvl="4"/>
             <a:r>
-              <a:rPr lang="en-US" smtClean="0"/>
+              <a:rPr lang="en-US"/>
               <a:t>Fifth level</a:t>
             </a:r>
             <a:endParaRPr lang="en-IN"/>
@@ -1413,7 +1493,7 @@
           <a:p>
             <a:fld id="{D8E15C20-523A-4546-901D-C7C0C6B0E9AC}" type="datetimeFigureOut">
               <a:rPr lang="en-IN" smtClean="0"/>
-              <a:t>11-12-2022</a:t>
+              <a:t>13-03-2023</a:t>
             </a:fld>
             <a:endParaRPr lang="en-IN"/>
           </a:p>
@@ -1516,7 +1596,7 @@
           </a:lstStyle>
           <a:p>
             <a:r>
-              <a:rPr lang="en-US" smtClean="0"/>
+              <a:rPr lang="en-US"/>
               <a:t>Click to edit Master title style</a:t>
             </a:r>
             <a:endParaRPr lang="en-IN"/>
@@ -1636,7 +1716,7 @@
           <a:p>
             <a:pPr lvl="0"/>
             <a:r>
-              <a:rPr lang="en-US" smtClean="0"/>
+              <a:rPr lang="en-US"/>
               <a:t>Click to edit Master text styles</a:t>
             </a:r>
           </a:p>
@@ -1659,7 +1739,7 @@
           <a:p>
             <a:fld id="{D8E15C20-523A-4546-901D-C7C0C6B0E9AC}" type="datetimeFigureOut">
               <a:rPr lang="en-IN" smtClean="0"/>
-              <a:t>11-12-2022</a:t>
+              <a:t>13-03-2023</a:t>
             </a:fld>
             <a:endParaRPr lang="en-IN"/>
           </a:p>
@@ -1753,7 +1833,7 @@
           <a:lstStyle/>
           <a:p>
             <a:r>
-              <a:rPr lang="en-US" smtClean="0"/>
+              <a:rPr lang="en-US"/>
               <a:t>Click to edit Master title style</a:t>
             </a:r>
             <a:endParaRPr lang="en-IN"/>
@@ -1782,35 +1862,35 @@
           <a:p>
             <a:pPr lvl="0"/>
             <a:r>
-              <a:rPr lang="en-US" smtClean="0"/>
+              <a:rPr lang="en-US"/>
               <a:t>Click to edit Master text styles</a:t>
             </a:r>
           </a:p>
           <a:p>
             <a:pPr lvl="1"/>
             <a:r>
-              <a:rPr lang="en-US" smtClean="0"/>
+              <a:rPr lang="en-US"/>
               <a:t>Second level</a:t>
             </a:r>
           </a:p>
           <a:p>
             <a:pPr lvl="2"/>
             <a:r>
-              <a:rPr lang="en-US" smtClean="0"/>
+              <a:rPr lang="en-US"/>
               <a:t>Third level</a:t>
             </a:r>
           </a:p>
           <a:p>
             <a:pPr lvl="3"/>
             <a:r>
-              <a:rPr lang="en-US" smtClean="0"/>
+              <a:rPr lang="en-US"/>
               <a:t>Fourth level</a:t>
             </a:r>
           </a:p>
           <a:p>
             <a:pPr lvl="4"/>
             <a:r>
-              <a:rPr lang="en-US" smtClean="0"/>
+              <a:rPr lang="en-US"/>
               <a:t>Fifth level</a:t>
             </a:r>
             <a:endParaRPr lang="en-IN"/>
@@ -1839,35 +1919,35 @@
           <a:p>
             <a:pPr lvl="0"/>
             <a:r>
-              <a:rPr lang="en-US" smtClean="0"/>
+              <a:rPr lang="en-US"/>
               <a:t>Click to edit Master text styles</a:t>
             </a:r>
           </a:p>
           <a:p>
             <a:pPr lvl="1"/>
             <a:r>
-              <a:rPr lang="en-US" smtClean="0"/>
+              <a:rPr lang="en-US"/>
               <a:t>Second level</a:t>
             </a:r>
           </a:p>
           <a:p>
             <a:pPr lvl="2"/>
             <a:r>
-              <a:rPr lang="en-US" smtClean="0"/>
+              <a:rPr lang="en-US"/>
               <a:t>Third level</a:t>
             </a:r>
           </a:p>
           <a:p>
             <a:pPr lvl="3"/>
             <a:r>
-              <a:rPr lang="en-US" smtClean="0"/>
+              <a:rPr lang="en-US"/>
               <a:t>Fourth level</a:t>
             </a:r>
           </a:p>
           <a:p>
             <a:pPr lvl="4"/>
             <a:r>
-              <a:rPr lang="en-US" smtClean="0"/>
+              <a:rPr lang="en-US"/>
               <a:t>Fifth level</a:t>
             </a:r>
             <a:endParaRPr lang="en-IN"/>
@@ -1891,7 +1971,7 @@
           <a:p>
             <a:fld id="{D8E15C20-523A-4546-901D-C7C0C6B0E9AC}" type="datetimeFigureOut">
               <a:rPr lang="en-IN" smtClean="0"/>
-              <a:t>11-12-2022</a:t>
+              <a:t>13-03-2023</a:t>
             </a:fld>
             <a:endParaRPr lang="en-IN"/>
           </a:p>
@@ -1990,7 +2070,7 @@
           <a:lstStyle/>
           <a:p>
             <a:r>
-              <a:rPr lang="en-US" smtClean="0"/>
+              <a:rPr lang="en-US"/>
               <a:t>Click to edit Master title style</a:t>
             </a:r>
             <a:endParaRPr lang="en-IN"/>
@@ -2056,7 +2136,7 @@
           <a:p>
             <a:pPr lvl="0"/>
             <a:r>
-              <a:rPr lang="en-US" smtClean="0"/>
+              <a:rPr lang="en-US"/>
               <a:t>Click to edit Master text styles</a:t>
             </a:r>
           </a:p>
@@ -2084,35 +2164,35 @@
           <a:p>
             <a:pPr lvl="0"/>
             <a:r>
-              <a:rPr lang="en-US" smtClean="0"/>
+              <a:rPr lang="en-US"/>
               <a:t>Click to edit Master text styles</a:t>
             </a:r>
           </a:p>
           <a:p>
             <a:pPr lvl="1"/>
             <a:r>
-              <a:rPr lang="en-US" smtClean="0"/>
+              <a:rPr lang="en-US"/>
               <a:t>Second level</a:t>
             </a:r>
           </a:p>
           <a:p>
             <a:pPr lvl="2"/>
             <a:r>
-              <a:rPr lang="en-US" smtClean="0"/>
+              <a:rPr lang="en-US"/>
               <a:t>Third level</a:t>
             </a:r>
           </a:p>
           <a:p>
             <a:pPr lvl="3"/>
             <a:r>
-              <a:rPr lang="en-US" smtClean="0"/>
+              <a:rPr lang="en-US"/>
               <a:t>Fourth level</a:t>
             </a:r>
           </a:p>
           <a:p>
             <a:pPr lvl="4"/>
             <a:r>
-              <a:rPr lang="en-US" smtClean="0"/>
+              <a:rPr lang="en-US"/>
               <a:t>Fifth level</a:t>
             </a:r>
             <a:endParaRPr lang="en-IN"/>
@@ -2178,7 +2258,7 @@
           <a:p>
             <a:pPr lvl="0"/>
             <a:r>
-              <a:rPr lang="en-US" smtClean="0"/>
+              <a:rPr lang="en-US"/>
               <a:t>Click to edit Master text styles</a:t>
             </a:r>
           </a:p>
@@ -2206,35 +2286,35 @@
           <a:p>
             <a:pPr lvl="0"/>
             <a:r>
-              <a:rPr lang="en-US" smtClean="0"/>
+              <a:rPr lang="en-US"/>
               <a:t>Click to edit Master text styles</a:t>
             </a:r>
           </a:p>
           <a:p>
             <a:pPr lvl="1"/>
             <a:r>
-              <a:rPr lang="en-US" smtClean="0"/>
+              <a:rPr lang="en-US"/>
               <a:t>Second level</a:t>
             </a:r>
           </a:p>
           <a:p>
             <a:pPr lvl="2"/>
             <a:r>
-              <a:rPr lang="en-US" smtClean="0"/>
+              <a:rPr lang="en-US"/>
               <a:t>Third level</a:t>
             </a:r>
           </a:p>
           <a:p>
             <a:pPr lvl="3"/>
             <a:r>
-              <a:rPr lang="en-US" smtClean="0"/>
+              <a:rPr lang="en-US"/>
               <a:t>Fourth level</a:t>
             </a:r>
           </a:p>
           <a:p>
             <a:pPr lvl="4"/>
             <a:r>
-              <a:rPr lang="en-US" smtClean="0"/>
+              <a:rPr lang="en-US"/>
               <a:t>Fifth level</a:t>
             </a:r>
             <a:endParaRPr lang="en-IN"/>
@@ -2258,7 +2338,7 @@
           <a:p>
             <a:fld id="{D8E15C20-523A-4546-901D-C7C0C6B0E9AC}" type="datetimeFigureOut">
               <a:rPr lang="en-IN" smtClean="0"/>
-              <a:t>11-12-2022</a:t>
+              <a:t>13-03-2023</a:t>
             </a:fld>
             <a:endParaRPr lang="en-IN"/>
           </a:p>
@@ -2352,7 +2432,7 @@
           <a:lstStyle/>
           <a:p>
             <a:r>
-              <a:rPr lang="en-US" smtClean="0"/>
+              <a:rPr lang="en-US"/>
               <a:t>Click to edit Master title style</a:t>
             </a:r>
             <a:endParaRPr lang="en-IN"/>
@@ -2376,7 +2456,7 @@
           <a:p>
             <a:fld id="{D8E15C20-523A-4546-901D-C7C0C6B0E9AC}" type="datetimeFigureOut">
               <a:rPr lang="en-IN" smtClean="0"/>
-              <a:t>11-12-2022</a:t>
+              <a:t>13-03-2023</a:t>
             </a:fld>
             <a:endParaRPr lang="en-IN"/>
           </a:p>
@@ -2471,7 +2551,7 @@
           <a:p>
             <a:fld id="{D8E15C20-523A-4546-901D-C7C0C6B0E9AC}" type="datetimeFigureOut">
               <a:rPr lang="en-IN" smtClean="0"/>
-              <a:t>11-12-2022</a:t>
+              <a:t>13-03-2023</a:t>
             </a:fld>
             <a:endParaRPr lang="en-IN"/>
           </a:p>
@@ -2574,7 +2654,7 @@
           </a:lstStyle>
           <a:p>
             <a:r>
-              <a:rPr lang="en-US" smtClean="0"/>
+              <a:rPr lang="en-US"/>
               <a:t>Click to edit Master title style</a:t>
             </a:r>
             <a:endParaRPr lang="en-IN"/>
@@ -2631,35 +2711,35 @@
           <a:p>
             <a:pPr lvl="0"/>
             <a:r>
-              <a:rPr lang="en-US" smtClean="0"/>
+              <a:rPr lang="en-US"/>
               <a:t>Click to edit Master text styles</a:t>
             </a:r>
           </a:p>
           <a:p>
             <a:pPr lvl="1"/>
             <a:r>
-              <a:rPr lang="en-US" smtClean="0"/>
+              <a:rPr lang="en-US"/>
               <a:t>Second level</a:t>
             </a:r>
           </a:p>
           <a:p>
             <a:pPr lvl="2"/>
             <a:r>
-              <a:rPr lang="en-US" smtClean="0"/>
+              <a:rPr lang="en-US"/>
               <a:t>Third level</a:t>
             </a:r>
           </a:p>
           <a:p>
             <a:pPr lvl="3"/>
             <a:r>
-              <a:rPr lang="en-US" smtClean="0"/>
+              <a:rPr lang="en-US"/>
               <a:t>Fourth level</a:t>
             </a:r>
           </a:p>
           <a:p>
             <a:pPr lvl="4"/>
             <a:r>
-              <a:rPr lang="en-US" smtClean="0"/>
+              <a:rPr lang="en-US"/>
               <a:t>Fifth level</a:t>
             </a:r>
             <a:endParaRPr lang="en-IN"/>
@@ -2725,7 +2805,7 @@
           <a:p>
             <a:pPr lvl="0"/>
             <a:r>
-              <a:rPr lang="en-US" smtClean="0"/>
+              <a:rPr lang="en-US"/>
               <a:t>Click to edit Master text styles</a:t>
             </a:r>
           </a:p>
@@ -2748,7 +2828,7 @@
           <a:p>
             <a:fld id="{D8E15C20-523A-4546-901D-C7C0C6B0E9AC}" type="datetimeFigureOut">
               <a:rPr lang="en-IN" smtClean="0"/>
-              <a:t>11-12-2022</a:t>
+              <a:t>13-03-2023</a:t>
             </a:fld>
             <a:endParaRPr lang="en-IN"/>
           </a:p>
@@ -2851,7 +2931,7 @@
           </a:lstStyle>
           <a:p>
             <a:r>
-              <a:rPr lang="en-US" smtClean="0"/>
+              <a:rPr lang="en-US"/>
               <a:t>Click to edit Master title style</a:t>
             </a:r>
             <a:endParaRPr lang="en-IN"/>
@@ -2978,7 +3058,7 @@
           <a:p>
             <a:pPr lvl="0"/>
             <a:r>
-              <a:rPr lang="en-US" smtClean="0"/>
+              <a:rPr lang="en-US"/>
               <a:t>Click to edit Master text styles</a:t>
             </a:r>
           </a:p>
@@ -3001,7 +3081,7 @@
           <a:p>
             <a:fld id="{D8E15C20-523A-4546-901D-C7C0C6B0E9AC}" type="datetimeFigureOut">
               <a:rPr lang="en-IN" smtClean="0"/>
-              <a:t>11-12-2022</a:t>
+              <a:t>13-03-2023</a:t>
             </a:fld>
             <a:endParaRPr lang="en-IN"/>
           </a:p>
@@ -3110,7 +3190,7 @@
           <a:lstStyle/>
           <a:p>
             <a:r>
-              <a:rPr lang="en-US" smtClean="0"/>
+              <a:rPr lang="en-US"/>
               <a:t>Click to edit Master title style</a:t>
             </a:r>
             <a:endParaRPr lang="en-IN"/>
@@ -3144,35 +3224,35 @@
           <a:p>
             <a:pPr lvl="0"/>
             <a:r>
-              <a:rPr lang="en-US" smtClean="0"/>
+              <a:rPr lang="en-US"/>
               <a:t>Click to edit Master text styles</a:t>
             </a:r>
           </a:p>
           <a:p>
             <a:pPr lvl="1"/>
             <a:r>
-              <a:rPr lang="en-US" smtClean="0"/>
+              <a:rPr lang="en-US"/>
               <a:t>Second level</a:t>
             </a:r>
           </a:p>
           <a:p>
             <a:pPr lvl="2"/>
             <a:r>
-              <a:rPr lang="en-US" smtClean="0"/>
+              <a:rPr lang="en-US"/>
               <a:t>Third level</a:t>
             </a:r>
           </a:p>
           <a:p>
             <a:pPr lvl="3"/>
             <a:r>
-              <a:rPr lang="en-US" smtClean="0"/>
+              <a:rPr lang="en-US"/>
               <a:t>Fourth level</a:t>
             </a:r>
           </a:p>
           <a:p>
             <a:pPr lvl="4"/>
             <a:r>
-              <a:rPr lang="en-US" smtClean="0"/>
+              <a:rPr lang="en-US"/>
               <a:t>Fifth level</a:t>
             </a:r>
             <a:endParaRPr lang="en-IN"/>
@@ -3214,7 +3294,7 @@
           <a:p>
             <a:fld id="{D8E15C20-523A-4546-901D-C7C0C6B0E9AC}" type="datetimeFigureOut">
               <a:rPr lang="en-IN" smtClean="0"/>
-              <a:t>11-12-2022</a:t>
+              <a:t>13-03-2023</a:t>
             </a:fld>
             <a:endParaRPr lang="en-IN"/>
           </a:p>
@@ -3636,7 +3716,7 @@
           <a:p>
             <a:pPr algn="ctr"/>
             <a:r>
-              <a:rPr lang="en-IN" b="1" dirty="0" smtClean="0"/>
+              <a:rPr lang="en-IN" b="1" dirty="0"/>
               <a:t>Operating System UNIX &amp; Linux</a:t>
             </a:r>
             <a:endParaRPr lang="en-IN" dirty="0"/>
@@ -3692,26 +3772,21 @@
             <a:pPr algn="ctr"/>
             <a:r>
               <a:rPr lang="en-IN" dirty="0"/>
-              <a:t>Subject code-4604			Semester - VI                                 Credit </a:t>
-            </a:r>
-            <a:r>
-              <a:rPr lang="en-IN" dirty="0" smtClean="0"/>
-              <a:t>– 4</a:t>
-            </a:r>
-            <a:endParaRPr lang="en-IN" dirty="0"/>
-          </a:p>
-          <a:p>
-            <a:pPr algn="ctr"/>
-            <a:endParaRPr lang="en-US" dirty="0" smtClean="0"/>
+              <a:t>Subject code-4604			Semester - VI                                 Credit – 4</a:t>
+            </a:r>
           </a:p>
           <a:p>
             <a:pPr algn="ctr"/>
             <a:endParaRPr lang="en-US" dirty="0"/>
           </a:p>
           <a:p>
+            <a:pPr algn="ctr"/>
+            <a:endParaRPr lang="en-US" dirty="0"/>
+          </a:p>
+          <a:p>
             <a:pPr lvl="8" algn="ctr"/>
             <a:r>
-              <a:rPr lang="en-US" dirty="0" smtClean="0"/>
+              <a:rPr lang="en-US" dirty="0"/>
               <a:t>By</a:t>
             </a:r>
           </a:p>
@@ -3720,11 +3795,11 @@
               <a:buNone/>
             </a:pPr>
             <a:r>
-              <a:rPr lang="en-US" dirty="0" err="1" smtClean="0"/>
+              <a:rPr lang="en-US" dirty="0" err="1"/>
               <a:t>Deepali</a:t>
             </a:r>
             <a:r>
-              <a:rPr lang="en-US" dirty="0" smtClean="0"/>
+              <a:rPr lang="en-US" dirty="0"/>
               <a:t> Bhoskar</a:t>
             </a:r>
             <a:endParaRPr lang="en-IN" dirty="0"/>
@@ -3777,7 +3852,7 @@
           <a:lstStyle/>
           <a:p>
             <a:r>
-              <a:rPr lang="en-IN" dirty="0" smtClean="0">
+              <a:rPr lang="en-IN" dirty="0">
                 <a:latin typeface="Times New Roman" panose="02020603050405020304" pitchFamily="18" charset="0"/>
                 <a:cs typeface="Times New Roman" panose="02020603050405020304" pitchFamily="18" charset="0"/>
               </a:rPr>
@@ -3805,53 +3880,58 @@
           <a:lstStyle/>
           <a:p>
             <a:r>
-              <a:rPr lang="en-US" dirty="0" smtClean="0"/>
+              <a:rPr lang="en-US" dirty="0">
+                <a:highlight>
+                  <a:srgbClr val="FFFF00"/>
+                </a:highlight>
+              </a:rPr>
               <a:t>It also works as a device manager and performs valuable functions for the processes which require access to the peripheral devices connected to the computer. The kernel controls these devices through device drivers.</a:t>
             </a:r>
           </a:p>
           <a:p>
             <a:r>
-              <a:rPr lang="en-US" dirty="0" smtClean="0"/>
+              <a:rPr lang="en-US" dirty="0">
+                <a:highlight>
+                  <a:srgbClr val="FFFF00"/>
+                </a:highlight>
+              </a:rPr>
               <a:t>The kernel also manages the memory. Processes are executed programs that have owner's humans or systems who initiate their execution.</a:t>
             </a:r>
           </a:p>
           <a:p>
             <a:r>
-              <a:rPr lang="en-US" dirty="0"/>
+              <a:rPr lang="en-US" dirty="0">
+                <a:highlight>
+                  <a:srgbClr val="FFFF00"/>
+                </a:highlight>
+              </a:rPr>
               <a:t>The system must provide all processes with access to an adequate amount of memory, and a few processes require a lot of it. </a:t>
             </a:r>
-            <a:endParaRPr lang="en-US" dirty="0" smtClean="0"/>
-          </a:p>
-          <a:p>
-            <a:r>
-              <a:rPr lang="en-US" dirty="0" smtClean="0"/>
-              <a:t>To </a:t>
-            </a:r>
-            <a:r>
-              <a:rPr lang="en-US" dirty="0"/>
-              <a:t>make effective use of main memory and to allocate a sufficient amount of memory to every process. </a:t>
-            </a:r>
-            <a:endParaRPr lang="en-US" dirty="0" smtClean="0"/>
-          </a:p>
-          <a:p>
-            <a:r>
-              <a:rPr lang="en-US" dirty="0" smtClean="0"/>
-              <a:t>It </a:t>
-            </a:r>
-            <a:r>
-              <a:rPr lang="en-US" dirty="0"/>
-              <a:t>uses essential techniques like paging, swapping, and virtual storage.</a:t>
-            </a:r>
-            <a:endParaRPr lang="en-US" dirty="0" smtClean="0"/>
+          </a:p>
+          <a:p>
+            <a:r>
+              <a:rPr lang="en-US" dirty="0">
+                <a:highlight>
+                  <a:srgbClr val="FFFF00"/>
+                </a:highlight>
+              </a:rPr>
+              <a:t>To make effective use of main memory and to allocate a sufficient amount of memory to every process. </a:t>
+            </a:r>
+          </a:p>
+          <a:p>
+            <a:r>
+              <a:rPr lang="en-US" dirty="0">
+                <a:highlight>
+                  <a:srgbClr val="FFFF00"/>
+                </a:highlight>
+              </a:rPr>
+              <a:t>It uses essential techniques like paging, swapping, and virtual storage.</a:t>
+            </a:r>
           </a:p>
           <a:p>
             <a:pPr marL="0" indent="0">
               <a:buNone/>
             </a:pPr>
-            <a:r>
-              <a:rPr lang="en-US" dirty="0"/>
-              <a:t/>
-            </a:r>
             <a:br>
               <a:rPr lang="en-US" dirty="0"/>
             </a:br>
@@ -3905,7 +3985,7 @@
           <a:lstStyle/>
           <a:p>
             <a:r>
-              <a:rPr lang="en-IN" dirty="0" smtClean="0">
+              <a:rPr lang="en-IN" dirty="0">
                 <a:latin typeface="Times New Roman" panose="02020603050405020304" pitchFamily="18" charset="0"/>
                 <a:cs typeface="Times New Roman" panose="02020603050405020304" pitchFamily="18" charset="0"/>
               </a:rPr>
@@ -3933,101 +4013,143 @@
           <a:lstStyle/>
           <a:p>
             <a:r>
-              <a:rPr lang="en-US" dirty="0"/>
+              <a:rPr lang="en-US" dirty="0">
+                <a:highlight>
+                  <a:srgbClr val="FFFF00"/>
+                </a:highlight>
+              </a:rPr>
               <a:t>Layer-3: The Shell -</a:t>
             </a:r>
           </a:p>
           <a:p>
             <a:r>
-              <a:rPr lang="en-US" dirty="0"/>
+              <a:rPr lang="en-US" dirty="0">
+                <a:highlight>
+                  <a:srgbClr val="FFFF00"/>
+                </a:highlight>
+              </a:rPr>
               <a:t>The Shell is an interpreter that interprets the command submitted by the user at the terminal, and calls the program you simply want.</a:t>
             </a:r>
           </a:p>
           <a:p>
             <a:r>
-              <a:rPr lang="en-US" dirty="0"/>
+              <a:rPr lang="en-US" dirty="0">
+                <a:highlight>
+                  <a:srgbClr val="FFFF00"/>
+                </a:highlight>
+              </a:rPr>
               <a:t>It also keeps a history of the list of the commands you have typed in. If you need to repeat a command you typed it, use the cursor keys to scroll up and down the list or type history for a list of previous commands. There are various commands like cat, mv, cat, </a:t>
             </a:r>
             <a:r>
-              <a:rPr lang="en-US" dirty="0" err="1"/>
+              <a:rPr lang="en-US" dirty="0" err="1">
+                <a:highlight>
+                  <a:srgbClr val="FFFF00"/>
+                </a:highlight>
+              </a:rPr>
               <a:t>grep</a:t>
             </a:r>
             <a:r>
-              <a:rPr lang="en-US" dirty="0"/>
+              <a:rPr lang="en-US" dirty="0">
+                <a:highlight>
+                  <a:srgbClr val="FFFF00"/>
+                </a:highlight>
+              </a:rPr>
               <a:t>, id, </a:t>
             </a:r>
             <a:r>
-              <a:rPr lang="en-US" dirty="0" err="1"/>
+              <a:rPr lang="en-US" dirty="0" err="1">
+                <a:highlight>
+                  <a:srgbClr val="FFFF00"/>
+                </a:highlight>
+              </a:rPr>
               <a:t>wc</a:t>
             </a:r>
             <a:r>
-              <a:rPr lang="en-US" dirty="0"/>
+              <a:rPr lang="en-US" dirty="0">
+                <a:highlight>
+                  <a:srgbClr val="FFFF00"/>
+                </a:highlight>
+              </a:rPr>
               <a:t>, and many more.</a:t>
             </a:r>
           </a:p>
           <a:p>
             <a:r>
-              <a:rPr lang="en-US" dirty="0"/>
+              <a:rPr lang="en-US" dirty="0">
+                <a:highlight>
+                  <a:srgbClr val="FFFF00"/>
+                </a:highlight>
+              </a:rPr>
               <a:t>Layer-4: Application Programs Layer -</a:t>
             </a:r>
           </a:p>
           <a:p>
             <a:r>
-              <a:rPr lang="en-US" dirty="0"/>
+              <a:rPr lang="en-US" dirty="0">
+                <a:highlight>
+                  <a:srgbClr val="FFFF00"/>
+                </a:highlight>
+              </a:rPr>
               <a:t>It is the outermost layer that executes the given external applications. UNIX distributions typically come with several useful applications programs as standard. </a:t>
             </a:r>
-            <a:endParaRPr lang="en-US" dirty="0" smtClean="0"/>
-          </a:p>
-          <a:p>
-            <a:r>
-              <a:rPr lang="en-US" b="1" dirty="0" smtClean="0"/>
-              <a:t>For </a:t>
-            </a:r>
-            <a:r>
-              <a:rPr lang="en-US" b="1" dirty="0"/>
-              <a:t>Example:</a:t>
-            </a:r>
-            <a:r>
-              <a:rPr lang="en-US" dirty="0"/>
+          </a:p>
+          <a:p>
+            <a:r>
+              <a:rPr lang="en-US" b="1" dirty="0">
+                <a:highlight>
+                  <a:srgbClr val="FFFF00"/>
+                </a:highlight>
+              </a:rPr>
+              <a:t>For Example:</a:t>
+            </a:r>
+            <a:r>
+              <a:rPr lang="en-US" dirty="0">
+                <a:highlight>
+                  <a:srgbClr val="FFFF00"/>
+                </a:highlight>
+              </a:rPr>
               <a:t> </a:t>
             </a:r>
             <a:r>
-              <a:rPr lang="en-US" dirty="0" err="1"/>
+              <a:rPr lang="en-US" dirty="0" err="1">
+                <a:highlight>
+                  <a:srgbClr val="FFFF00"/>
+                </a:highlight>
+              </a:rPr>
               <a:t>emacs</a:t>
             </a:r>
             <a:r>
-              <a:rPr lang="en-US" dirty="0"/>
+              <a:rPr lang="en-US" dirty="0">
+                <a:highlight>
+                  <a:srgbClr val="FFFF00"/>
+                </a:highlight>
+              </a:rPr>
               <a:t> editor, </a:t>
             </a:r>
             <a:r>
-              <a:rPr lang="en-US" dirty="0" err="1"/>
+              <a:rPr lang="en-US" dirty="0" err="1">
+                <a:highlight>
+                  <a:srgbClr val="FFFF00"/>
+                </a:highlight>
+              </a:rPr>
               <a:t>StarOffice</a:t>
             </a:r>
             <a:r>
-              <a:rPr lang="en-US" dirty="0"/>
+              <a:rPr lang="en-US" dirty="0">
+                <a:highlight>
+                  <a:srgbClr val="FFFF00"/>
+                </a:highlight>
+              </a:rPr>
               <a:t>, xv image viewer, g++ compiler etc.</a:t>
             </a:r>
-            <a:endParaRPr lang="en-US" dirty="0" smtClean="0"/>
-          </a:p>
-          <a:p>
-            <a:r>
-              <a:rPr lang="en-US" dirty="0"/>
-              <a:t/>
-            </a:r>
+          </a:p>
+          <a:p>
             <a:br>
               <a:rPr lang="en-US" dirty="0"/>
             </a:br>
-            <a:r>
-              <a:rPr lang="en-US" dirty="0"/>
-              <a:t/>
-            </a:r>
             <a:br>
               <a:rPr lang="en-US" dirty="0"/>
             </a:br>
-            <a:r>
-              <a:rPr lang="en-US" dirty="0"/>
-              <a:t/>
-            </a:r>
             <a:br>
               <a:rPr lang="en-US" dirty="0"/>
             </a:br>
@@ -4081,18 +4203,18 @@
           <a:lstStyle/>
           <a:p>
             <a:r>
-              <a:rPr lang="en-IN" dirty="0" smtClean="0">
+              <a:rPr lang="en-IN" dirty="0">
                 <a:latin typeface="Times New Roman" panose="02020603050405020304" pitchFamily="18" charset="0"/>
                 <a:cs typeface="Times New Roman" panose="02020603050405020304" pitchFamily="18" charset="0"/>
               </a:rPr>
               <a:t>User perspective:</a:t>
             </a:r>
             <a:r>
-              <a:rPr lang="en-US" b="1" dirty="0" smtClean="0"/>
+              <a:rPr lang="en-US" b="1" dirty="0"/>
               <a:t>The file system</a:t>
             </a:r>
             <a:br>
-              <a:rPr lang="en-US" b="1" dirty="0" smtClean="0"/>
+              <a:rPr lang="en-US" b="1" dirty="0"/>
             </a:br>
             <a:endParaRPr lang="en-IN" dirty="0"/>
           </a:p>
@@ -4121,7 +4243,7 @@
             <a:endParaRPr lang="en-US" b="1" dirty="0"/>
           </a:p>
           <a:p>
-            <a:endParaRPr lang="en-US" b="1" dirty="0" smtClean="0"/>
+            <a:endParaRPr lang="en-US" b="1" dirty="0"/>
           </a:p>
           <a:p>
             <a:endParaRPr lang="en-US" b="1" dirty="0"/>
@@ -4137,7 +4259,7 @@
           <p:nvPr/>
         </p:nvPicPr>
         <p:blipFill>
-          <a:blip r:embed="rId2">
+          <a:blip r:embed="rId3">
             <a:extLst>
               <a:ext uri="{28A0092B-C50C-407E-A947-70E740481C1C}">
                 <a14:useLocalDpi xmlns:a14="http://schemas.microsoft.com/office/drawing/2010/main" val="0"/>
@@ -4179,6 +4301,11 @@
   <p:clrMapOvr>
     <a:masterClrMapping/>
   </p:clrMapOvr>
+  <p:extLst>
+    <p:ext uri="{6950BFC3-D8DA-4A85-94F7-54DA5524770B}">
+      <p188:commentRel xmlns:p188="http://schemas.microsoft.com/office/powerpoint/2018/8/main" r:id="rId2"/>
+    </p:ext>
+  </p:extLst>
 </p:sld>
 </file>
 
@@ -4215,14 +4342,14 @@
           <a:lstStyle/>
           <a:p>
             <a:r>
-              <a:rPr lang="en-IN" dirty="0" smtClean="0">
+              <a:rPr lang="en-IN" dirty="0">
                 <a:latin typeface="Times New Roman" panose="02020603050405020304" pitchFamily="18" charset="0"/>
                 <a:cs typeface="Times New Roman" panose="02020603050405020304" pitchFamily="18" charset="0"/>
               </a:rPr>
               <a:t>User perspective:</a:t>
             </a:r>
             <a:r>
-              <a:rPr lang="en-US" b="1" dirty="0" smtClean="0"/>
+              <a:rPr lang="en-US" b="1" dirty="0"/>
               <a:t>The file system</a:t>
             </a:r>
             <a:endParaRPr lang="en-IN" dirty="0"/>
@@ -4310,7 +4437,7 @@
             <a:endParaRPr lang="en-US" b="1" dirty="0"/>
           </a:p>
           <a:p>
-            <a:endParaRPr lang="en-US" b="1" dirty="0" smtClean="0"/>
+            <a:endParaRPr lang="en-US" b="1" dirty="0"/>
           </a:p>
           <a:p>
             <a:endParaRPr lang="en-US" b="1" dirty="0"/>
@@ -4363,14 +4490,14 @@
           <a:lstStyle/>
           <a:p>
             <a:r>
-              <a:rPr lang="en-IN" dirty="0" smtClean="0">
+              <a:rPr lang="en-IN" dirty="0">
                 <a:latin typeface="Times New Roman" panose="02020603050405020304" pitchFamily="18" charset="0"/>
                 <a:cs typeface="Times New Roman" panose="02020603050405020304" pitchFamily="18" charset="0"/>
               </a:rPr>
               <a:t>User perspective:</a:t>
             </a:r>
             <a:r>
-              <a:rPr lang="en-US" b="1" dirty="0" smtClean="0"/>
+              <a:rPr lang="en-US" b="1" dirty="0"/>
               <a:t>The file system</a:t>
             </a:r>
             <a:endParaRPr lang="en-IN" dirty="0"/>
@@ -4578,7 +4705,7 @@
                 <a:spcPts val="0"/>
               </a:spcBef>
             </a:pPr>
-            <a:endParaRPr lang="en-US" sz="1600" b="1" dirty="0" smtClean="0"/>
+            <a:endParaRPr lang="en-US" sz="1600" b="1" dirty="0"/>
           </a:p>
           <a:p>
             <a:pPr>
@@ -4641,28 +4768,21 @@
           <a:lstStyle/>
           <a:p>
             <a:r>
-              <a:rPr lang="en-IN" dirty="0" smtClean="0">
+              <a:rPr lang="en-IN" dirty="0">
                 <a:latin typeface="Times New Roman" panose="02020603050405020304" pitchFamily="18" charset="0"/>
                 <a:cs typeface="Times New Roman" panose="02020603050405020304" pitchFamily="18" charset="0"/>
               </a:rPr>
               <a:t>User perspective: </a:t>
             </a:r>
             <a:r>
-              <a:rPr lang="en-IN" b="1" dirty="0" smtClean="0"/>
+              <a:rPr lang="en-IN" b="1" dirty="0"/>
               <a:t>Processing environment</a:t>
             </a:r>
             <a:br>
-              <a:rPr lang="en-IN" b="1" dirty="0" smtClean="0"/>
+              <a:rPr lang="en-IN" b="1" dirty="0"/>
             </a:br>
-            <a:r>
-              <a:rPr lang="en-IN" dirty="0" smtClean="0">
-                <a:latin typeface="Times New Roman" panose="02020603050405020304" pitchFamily="18" charset="0"/>
-                <a:cs typeface="Times New Roman" panose="02020603050405020304" pitchFamily="18" charset="0"/>
-              </a:rPr>
-              <a:t/>
-            </a:r>
             <a:br>
-              <a:rPr lang="en-IN" dirty="0" smtClean="0">
+              <a:rPr lang="en-IN" dirty="0">
                 <a:latin typeface="Times New Roman" panose="02020603050405020304" pitchFamily="18" charset="0"/>
                 <a:cs typeface="Times New Roman" panose="02020603050405020304" pitchFamily="18" charset="0"/>
               </a:rPr>
@@ -4695,23 +4815,21 @@
               <a:buNone/>
             </a:pPr>
             <a:r>
-              <a:rPr lang="en-US" b="1" dirty="0" smtClean="0"/>
+              <a:rPr lang="en-US" b="1" dirty="0"/>
               <a:t>      </a:t>
             </a:r>
-            <a:endParaRPr lang="en-US" b="1" dirty="0"/>
           </a:p>
           <a:p>
             <a:pPr marL="0" indent="0">
               <a:buNone/>
             </a:pPr>
             <a:r>
-              <a:rPr lang="en-US" b="1" dirty="0" smtClean="0"/>
+              <a:rPr lang="en-US" b="1" dirty="0"/>
               <a:t> </a:t>
             </a:r>
+          </a:p>
+          <a:p>
             <a:endParaRPr lang="en-US" b="1" dirty="0"/>
-          </a:p>
-          <a:p>
-            <a:endParaRPr lang="en-US" b="1" dirty="0" smtClean="0"/>
           </a:p>
           <a:p>
             <a:endParaRPr lang="en-US" b="1" dirty="0"/>
@@ -4807,28 +4925,21 @@
           <a:lstStyle/>
           <a:p>
             <a:r>
-              <a:rPr lang="en-IN" dirty="0" smtClean="0">
+              <a:rPr lang="en-IN" dirty="0">
                 <a:latin typeface="Times New Roman" panose="02020603050405020304" pitchFamily="18" charset="0"/>
                 <a:cs typeface="Times New Roman" panose="02020603050405020304" pitchFamily="18" charset="0"/>
               </a:rPr>
               <a:t>User perspective: </a:t>
             </a:r>
             <a:r>
-              <a:rPr lang="en-IN" b="1" dirty="0" smtClean="0"/>
+              <a:rPr lang="en-IN" b="1" dirty="0"/>
               <a:t>Processing environment</a:t>
             </a:r>
             <a:br>
-              <a:rPr lang="en-IN" b="1" dirty="0" smtClean="0"/>
+              <a:rPr lang="en-IN" b="1" dirty="0"/>
             </a:br>
-            <a:r>
-              <a:rPr lang="en-IN" dirty="0" smtClean="0">
-                <a:latin typeface="Times New Roman" panose="02020603050405020304" pitchFamily="18" charset="0"/>
-                <a:cs typeface="Times New Roman" panose="02020603050405020304" pitchFamily="18" charset="0"/>
-              </a:rPr>
-              <a:t/>
-            </a:r>
             <a:br>
-              <a:rPr lang="en-IN" dirty="0" smtClean="0">
+              <a:rPr lang="en-IN" dirty="0">
                 <a:latin typeface="Times New Roman" panose="02020603050405020304" pitchFamily="18" charset="0"/>
                 <a:cs typeface="Times New Roman" panose="02020603050405020304" pitchFamily="18" charset="0"/>
               </a:rPr>
@@ -4860,45 +4971,27 @@
           <a:lstStyle/>
           <a:p>
             <a:r>
-              <a:rPr lang="en-US" dirty="0" smtClean="0"/>
-              <a:t>A </a:t>
-            </a:r>
-            <a:r>
               <a:rPr lang="en-US" dirty="0"/>
-              <a:t>source code is our program source code, an executable file is the program for our source code and the process is the instance of our program in execution. Many processes can execute simultaneously in </a:t>
-            </a:r>
-            <a:r>
-              <a:rPr lang="en-US" dirty="0" err="1" smtClean="0"/>
+              <a:t>A source code is our program source code, an executable file is the program for our source code and the process is the instance of our program in execution. Many processes can execute simultaneously in </a:t>
+            </a:r>
+            <a:r>
+              <a:rPr lang="en-US" dirty="0" err="1"/>
               <a:t>unix</a:t>
             </a:r>
             <a:r>
               <a:rPr lang="en-US" dirty="0"/>
               <a:t>. (Multiprogramming or multitasking). </a:t>
             </a:r>
-            <a:endParaRPr lang="en-US" dirty="0" smtClean="0"/>
-          </a:p>
-          <a:p>
-            <a:r>
-              <a:rPr lang="en-US" dirty="0" smtClean="0"/>
-              <a:t>Also </a:t>
-            </a:r>
+          </a:p>
+          <a:p>
             <a:r>
               <a:rPr lang="en-US" dirty="0"/>
-              <a:t>many instances of one program can run simultaneously. Each instance of this program is one process. Various system calls allows control of the state of the process. The state of a process indicates its status at a particular time. The process state could by any one of the </a:t>
-            </a:r>
-            <a:r>
-              <a:rPr lang="en-US" dirty="0" smtClean="0"/>
-              <a:t>above.</a:t>
-            </a:r>
-            <a:endParaRPr lang="en-US" dirty="0"/>
-          </a:p>
-          <a:p>
-            <a:r>
-              <a:rPr lang="en-US" dirty="0" smtClean="0"/>
-              <a:t/>
-            </a:r>
+              <a:t>Also many instances of one program can run simultaneously. Each instance of this program is one process. Various system calls allows control of the state of the process. The state of a process indicates its status at a particular time. The process state could by any one of the above.</a:t>
+            </a:r>
+          </a:p>
+          <a:p>
             <a:br>
-              <a:rPr lang="en-US" dirty="0" smtClean="0"/>
+              <a:rPr lang="en-US" dirty="0"/>
             </a:br>
             <a:endParaRPr lang="en-US" b="1" dirty="0"/>
           </a:p>
@@ -4952,28 +5045,21 @@
           <a:lstStyle/>
           <a:p>
             <a:r>
-              <a:rPr lang="en-IN" dirty="0" smtClean="0">
+              <a:rPr lang="en-IN" dirty="0">
                 <a:latin typeface="Times New Roman" panose="02020603050405020304" pitchFamily="18" charset="0"/>
                 <a:cs typeface="Times New Roman" panose="02020603050405020304" pitchFamily="18" charset="0"/>
               </a:rPr>
               <a:t>User perspective: </a:t>
             </a:r>
             <a:r>
-              <a:rPr lang="en-IN" b="1" dirty="0" smtClean="0"/>
+              <a:rPr lang="en-IN" b="1" dirty="0"/>
               <a:t>Processing environment</a:t>
             </a:r>
             <a:br>
-              <a:rPr lang="en-IN" b="1" dirty="0" smtClean="0"/>
+              <a:rPr lang="en-IN" b="1" dirty="0"/>
             </a:br>
-            <a:r>
-              <a:rPr lang="en-IN" dirty="0" smtClean="0">
-                <a:latin typeface="Times New Roman" panose="02020603050405020304" pitchFamily="18" charset="0"/>
-                <a:cs typeface="Times New Roman" panose="02020603050405020304" pitchFamily="18" charset="0"/>
-              </a:rPr>
-              <a:t/>
-            </a:r>
             <a:br>
-              <a:rPr lang="en-IN" dirty="0" smtClean="0">
+              <a:rPr lang="en-IN" dirty="0">
                 <a:latin typeface="Times New Roman" panose="02020603050405020304" pitchFamily="18" charset="0"/>
                 <a:cs typeface="Times New Roman" panose="02020603050405020304" pitchFamily="18" charset="0"/>
               </a:rPr>
@@ -5041,12 +5127,8 @@
             </a:r>
           </a:p>
           <a:p>
-            <a:r>
-              <a:rPr lang="en-US" dirty="0" smtClean="0"/>
-              <a:t/>
-            </a:r>
             <a:br>
-              <a:rPr lang="en-US" dirty="0" smtClean="0"/>
+              <a:rPr lang="en-US" dirty="0"/>
             </a:br>
             <a:endParaRPr lang="en-US" b="1" dirty="0"/>
           </a:p>
@@ -5100,28 +5182,21 @@
           <a:lstStyle/>
           <a:p>
             <a:r>
-              <a:rPr lang="en-IN" dirty="0" smtClean="0">
+              <a:rPr lang="en-IN" dirty="0">
                 <a:latin typeface="Times New Roman" panose="02020603050405020304" pitchFamily="18" charset="0"/>
                 <a:cs typeface="Times New Roman" panose="02020603050405020304" pitchFamily="18" charset="0"/>
               </a:rPr>
               <a:t>User perspective: </a:t>
             </a:r>
             <a:r>
-              <a:rPr lang="en-IN" b="1" dirty="0" smtClean="0"/>
+              <a:rPr lang="en-IN" b="1" dirty="0"/>
               <a:t>Building block primitives</a:t>
             </a:r>
             <a:br>
-              <a:rPr lang="en-IN" b="1" dirty="0" smtClean="0"/>
+              <a:rPr lang="en-IN" b="1" dirty="0"/>
             </a:br>
-            <a:r>
-              <a:rPr lang="en-IN" dirty="0" smtClean="0">
-                <a:latin typeface="Times New Roman" panose="02020603050405020304" pitchFamily="18" charset="0"/>
-                <a:cs typeface="Times New Roman" panose="02020603050405020304" pitchFamily="18" charset="0"/>
-              </a:rPr>
-              <a:t/>
-            </a:r>
             <a:br>
-              <a:rPr lang="en-IN" dirty="0" smtClean="0">
+              <a:rPr lang="en-IN" dirty="0">
                 <a:latin typeface="Times New Roman" panose="02020603050405020304" pitchFamily="18" charset="0"/>
                 <a:cs typeface="Times New Roman" panose="02020603050405020304" pitchFamily="18" charset="0"/>
               </a:rPr>
@@ -5195,15 +5270,7 @@
           <a:p>
             <a:r>
               <a:rPr lang="en-US" sz="7200" dirty="0"/>
-              <a:t>One primitive building block available to the shell user is the redirect I/O. for </a:t>
-            </a:r>
-            <a:r>
-              <a:rPr lang="en-US" sz="7200" dirty="0" smtClean="0"/>
-              <a:t>example </a:t>
-            </a:r>
-            <a:r>
-              <a:rPr lang="en-US" sz="7200" dirty="0"/>
-              <a:t/>
+              <a:t>One primitive building block available to the shell user is the redirect I/O. for example </a:t>
             </a:r>
             <a:br>
               <a:rPr lang="en-US" sz="7200" dirty="0"/>
@@ -5211,10 +5278,6 @@
             <a:r>
               <a:rPr lang="en-US" sz="7200" dirty="0" err="1"/>
               <a:t>ls</a:t>
-            </a:r>
-            <a:r>
-              <a:rPr lang="en-US" sz="7200" dirty="0"/>
-              <a:t/>
             </a:r>
             <a:br>
               <a:rPr lang="en-US" sz="7200" dirty="0"/>
@@ -5330,7 +5393,7 @@
           <a:lstStyle/>
           <a:p>
             <a:r>
-              <a:rPr lang="en-IN" dirty="0" smtClean="0">
+              <a:rPr lang="en-IN" dirty="0">
                 <a:latin typeface="Times New Roman" panose="02020603050405020304" pitchFamily="18" charset="0"/>
                 <a:cs typeface="Times New Roman" panose="02020603050405020304" pitchFamily="18" charset="0"/>
               </a:rPr>
@@ -5364,15 +5427,7 @@
           <a:p>
             <a:r>
               <a:rPr lang="en-US" dirty="0"/>
-              <a:t>The kernel layer provides various </a:t>
-            </a:r>
-            <a:r>
-              <a:rPr lang="en-US" dirty="0" smtClean="0"/>
-              <a:t>operations </a:t>
-            </a:r>
-            <a:r>
-              <a:rPr lang="en-US" dirty="0"/>
-              <a:t>on behalf of user processes. Some of the main services provided by the operating systems kernel are:</a:t>
+              <a:t>The kernel layer provides various operations on behalf of user processes. Some of the main services provided by the operating systems kernel are:</a:t>
             </a:r>
           </a:p>
           <a:p>
@@ -5481,58 +5536,11 @@
               <a:buChar char="§"/>
             </a:pPr>
             <a:r>
-              <a:rPr lang="en-IN" sz="4000" dirty="0" smtClean="0">
-                <a:latin typeface="Times New Roman" panose="02020603050405020304" pitchFamily="18" charset="0"/>
-                <a:cs typeface="Times New Roman" panose="02020603050405020304" pitchFamily="18" charset="0"/>
-              </a:rPr>
-              <a:t>History </a:t>
-            </a:r>
-            <a:r>
               <a:rPr lang="en-IN" sz="4000" dirty="0">
                 <a:latin typeface="Times New Roman" panose="02020603050405020304" pitchFamily="18" charset="0"/>
                 <a:cs typeface="Times New Roman" panose="02020603050405020304" pitchFamily="18" charset="0"/>
               </a:rPr>
-              <a:t>of </a:t>
-            </a:r>
-            <a:r>
-              <a:rPr lang="en-IN" sz="4000" dirty="0" smtClean="0">
-                <a:latin typeface="Times New Roman" panose="02020603050405020304" pitchFamily="18" charset="0"/>
-                <a:cs typeface="Times New Roman" panose="02020603050405020304" pitchFamily="18" charset="0"/>
-              </a:rPr>
-              <a:t>Unix </a:t>
-            </a:r>
-            <a:br>
-              <a:rPr lang="en-IN" sz="4000" dirty="0" smtClean="0">
-                <a:latin typeface="Times New Roman" panose="02020603050405020304" pitchFamily="18" charset="0"/>
-                <a:cs typeface="Times New Roman" panose="02020603050405020304" pitchFamily="18" charset="0"/>
-              </a:rPr>
-            </a:br>
-            <a:r>
-              <a:rPr lang="en-IN" sz="4000" dirty="0" smtClean="0">
-                <a:latin typeface="Times New Roman" panose="02020603050405020304" pitchFamily="18" charset="0"/>
-                <a:cs typeface="Times New Roman" panose="02020603050405020304" pitchFamily="18" charset="0"/>
-              </a:rPr>
-              <a:t>System Structure </a:t>
-            </a:r>
-            <a:br>
-              <a:rPr lang="en-IN" sz="4000" dirty="0" smtClean="0">
-                <a:latin typeface="Times New Roman" panose="02020603050405020304" pitchFamily="18" charset="0"/>
-                <a:cs typeface="Times New Roman" panose="02020603050405020304" pitchFamily="18" charset="0"/>
-              </a:rPr>
-            </a:br>
-            <a:r>
-              <a:rPr lang="en-IN" sz="4000" dirty="0" smtClean="0">
-                <a:latin typeface="Times New Roman" panose="02020603050405020304" pitchFamily="18" charset="0"/>
-                <a:cs typeface="Times New Roman" panose="02020603050405020304" pitchFamily="18" charset="0"/>
-              </a:rPr>
-              <a:t>User perspective</a:t>
-            </a:r>
-            <a:r>
-              <a:rPr lang="en-IN" sz="4000" dirty="0">
-                <a:latin typeface="Times New Roman" panose="02020603050405020304" pitchFamily="18" charset="0"/>
-                <a:cs typeface="Times New Roman" panose="02020603050405020304" pitchFamily="18" charset="0"/>
-              </a:rPr>
-              <a:t/>
+              <a:t>History of Unix </a:t>
             </a:r>
             <a:br>
               <a:rPr lang="en-IN" sz="4000" dirty="0">
@@ -5545,34 +5553,46 @@
                 <a:latin typeface="Times New Roman" panose="02020603050405020304" pitchFamily="18" charset="0"/>
                 <a:cs typeface="Times New Roman" panose="02020603050405020304" pitchFamily="18" charset="0"/>
               </a:rPr>
-              <a:t>Operating system </a:t>
-            </a:r>
-            <a:r>
-              <a:rPr lang="en-IN" sz="4000" dirty="0" smtClean="0">
-                <a:latin typeface="Times New Roman" panose="02020603050405020304" pitchFamily="18" charset="0"/>
-                <a:cs typeface="Times New Roman" panose="02020603050405020304" pitchFamily="18" charset="0"/>
-              </a:rPr>
-              <a:t>Services</a:t>
+              <a:t>System Structure </a:t>
             </a:r>
             <a:br>
-              <a:rPr lang="en-IN" sz="4000" dirty="0" smtClean="0">
+              <a:rPr lang="en-IN" sz="4000" dirty="0">
                 <a:latin typeface="Times New Roman" panose="02020603050405020304" pitchFamily="18" charset="0"/>
                 <a:cs typeface="Times New Roman" panose="02020603050405020304" pitchFamily="18" charset="0"/>
               </a:rPr>
             </a:br>
             <a:r>
-              <a:rPr lang="en-IN" sz="4000" dirty="0" smtClean="0">
-                <a:latin typeface="Times New Roman" panose="02020603050405020304" pitchFamily="18" charset="0"/>
-                <a:cs typeface="Times New Roman" panose="02020603050405020304" pitchFamily="18" charset="0"/>
-              </a:rPr>
-              <a:t>Assumptions </a:t>
-            </a:r>
-            <a:r>
               <a:rPr lang="en-IN" sz="4000" dirty="0">
                 <a:latin typeface="Times New Roman" panose="02020603050405020304" pitchFamily="18" charset="0"/>
                 <a:cs typeface="Times New Roman" panose="02020603050405020304" pitchFamily="18" charset="0"/>
               </a:rPr>
-              <a:t>about Hardware</a:t>
+              <a:t>User perspective</a:t>
+            </a:r>
+            <a:br>
+              <a:rPr lang="en-IN" sz="4000" dirty="0">
+                <a:latin typeface="Times New Roman" panose="02020603050405020304" pitchFamily="18" charset="0"/>
+                <a:cs typeface="Times New Roman" panose="02020603050405020304" pitchFamily="18" charset="0"/>
+              </a:rPr>
+            </a:br>
+            <a:r>
+              <a:rPr lang="en-IN" sz="4000" dirty="0">
+                <a:latin typeface="Times New Roman" panose="02020603050405020304" pitchFamily="18" charset="0"/>
+                <a:cs typeface="Times New Roman" panose="02020603050405020304" pitchFamily="18" charset="0"/>
+              </a:rPr>
+              <a:t>Operating system Services</a:t>
+            </a:r>
+            <a:br>
+              <a:rPr lang="en-IN" sz="4000" dirty="0">
+                <a:latin typeface="Times New Roman" panose="02020603050405020304" pitchFamily="18" charset="0"/>
+                <a:cs typeface="Times New Roman" panose="02020603050405020304" pitchFamily="18" charset="0"/>
+              </a:rPr>
+            </a:br>
+            <a:r>
+              <a:rPr lang="en-IN" sz="4000" dirty="0">
+                <a:latin typeface="Times New Roman" panose="02020603050405020304" pitchFamily="18" charset="0"/>
+                <a:cs typeface="Times New Roman" panose="02020603050405020304" pitchFamily="18" charset="0"/>
+              </a:rPr>
+              <a:t>Assumptions about Hardware</a:t>
             </a:r>
           </a:p>
         </p:txBody>
@@ -5600,20 +5620,20 @@
           <a:p>
             <a:pPr algn="ctr"/>
             <a:r>
-              <a:rPr lang="en-IN" sz="4400" dirty="0" smtClean="0">
+              <a:rPr lang="en-IN" sz="4400" dirty="0">
                 <a:latin typeface="Times New Roman" panose="02020603050405020304" pitchFamily="18" charset="0"/>
                 <a:cs typeface="Times New Roman" panose="02020603050405020304" pitchFamily="18" charset="0"/>
               </a:rPr>
               <a:t>Unit 1 </a:t>
             </a:r>
             <a:br>
-              <a:rPr lang="en-IN" sz="4400" dirty="0" smtClean="0">
+              <a:rPr lang="en-IN" sz="4400" dirty="0">
                 <a:latin typeface="Times New Roman" panose="02020603050405020304" pitchFamily="18" charset="0"/>
                 <a:cs typeface="Times New Roman" panose="02020603050405020304" pitchFamily="18" charset="0"/>
               </a:rPr>
             </a:br>
             <a:r>
-              <a:rPr lang="en-IN" sz="4400" dirty="0" smtClean="0">
+              <a:rPr lang="en-IN" sz="4400" dirty="0">
                 <a:latin typeface="Times New Roman" panose="02020603050405020304" pitchFamily="18" charset="0"/>
                 <a:cs typeface="Times New Roman" panose="02020603050405020304" pitchFamily="18" charset="0"/>
               </a:rPr>
@@ -5676,11 +5696,11 @@
           <a:lstStyle/>
           <a:p>
             <a:r>
-              <a:rPr lang="en-US" b="1" dirty="0" smtClean="0"/>
+              <a:rPr lang="en-US" b="1" dirty="0"/>
               <a:t>Assumptions about the hardware</a:t>
             </a:r>
             <a:br>
-              <a:rPr lang="en-US" b="1" dirty="0" smtClean="0"/>
+              <a:rPr lang="en-US" b="1" dirty="0"/>
             </a:br>
             <a:endParaRPr lang="en-IN" dirty="0"/>
           </a:p>
@@ -5709,12 +5729,8 @@
           <a:lstStyle/>
           <a:p>
             <a:r>
-              <a:rPr lang="en-US" dirty="0" smtClean="0"/>
-              <a:t>When </a:t>
-            </a:r>
-            <a:r>
               <a:rPr lang="en-US" dirty="0"/>
-              <a:t>a process executes on </a:t>
+              <a:t>When a process executes on </a:t>
             </a:r>
             <a:r>
               <a:rPr lang="en-US" dirty="0" err="1"/>
@@ -5804,11 +5820,11 @@
           <a:lstStyle/>
           <a:p>
             <a:r>
-              <a:rPr lang="en-US" b="1" dirty="0" smtClean="0"/>
+              <a:rPr lang="en-US" b="1" dirty="0"/>
               <a:t>General overview of the system</a:t>
             </a:r>
             <a:br>
-              <a:rPr lang="en-US" b="1" dirty="0" smtClean="0"/>
+              <a:rPr lang="en-US" b="1" dirty="0"/>
             </a:br>
             <a:endParaRPr lang="en-IN" dirty="0"/>
           </a:p>
@@ -5832,12 +5848,8 @@
           <a:lstStyle/>
           <a:p>
             <a:r>
-              <a:rPr lang="en-US" b="1" dirty="0" smtClean="0"/>
-              <a:t>Benefits </a:t>
-            </a:r>
-            <a:r>
               <a:rPr lang="en-US" b="1" dirty="0"/>
-              <a:t>of Unix</a:t>
+              <a:t>Benefits of Unix</a:t>
             </a:r>
           </a:p>
           <a:p>
@@ -5960,7 +5972,7 @@
               <a:buNone/>
             </a:pPr>
             <a:r>
-              <a:rPr lang="en-US" sz="2400" dirty="0" smtClean="0"/>
+              <a:rPr lang="en-US" sz="2400" dirty="0"/>
               <a:t> </a:t>
             </a:r>
           </a:p>
@@ -5984,7 +5996,7 @@
           <p:nvPr/>
         </p:nvPicPr>
         <p:blipFill>
-          <a:blip r:embed="rId3">
+          <a:blip r:embed="rId4">
             <a:extLst>
               <a:ext uri="{28A0092B-C50C-407E-A947-70E740481C1C}">
                 <a14:useLocalDpi xmlns:a14="http://schemas.microsoft.com/office/drawing/2010/main" val="0"/>
@@ -6025,7 +6037,7 @@
         <p:spPr>
           <a:xfrm>
             <a:off x="662166" y="1825625"/>
-            <a:ext cx="5760003" cy="1754326"/>
+            <a:ext cx="5760003" cy="2031325"/>
           </a:xfrm>
           <a:prstGeom prst="rect">
             <a:avLst/>
@@ -6038,11 +6050,14 @@
           <a:lstStyle/>
           <a:p>
             <a:r>
-              <a:rPr lang="en-US" b="0" i="0" dirty="0" smtClean="0">
+              <a:rPr lang="en-US" b="0" i="0" dirty="0">
                 <a:solidFill>
                   <a:srgbClr val="000000"/>
                 </a:solidFill>
                 <a:effectLst/>
+                <a:highlight>
+                  <a:srgbClr val="FFFF00"/>
+                </a:highlight>
                 <a:latin typeface="Heebo"/>
               </a:rPr>
               <a:t>Definition</a:t>
@@ -6051,23 +6066,22 @@
           <a:p>
             <a:pPr algn="just"/>
             <a:r>
-              <a:rPr lang="en-US" b="0" i="0" dirty="0" smtClean="0">
+              <a:rPr lang="en-US" b="0" i="0" dirty="0">
                 <a:solidFill>
                   <a:srgbClr val="000000"/>
                 </a:solidFill>
                 <a:effectLst/>
+                <a:highlight>
+                  <a:srgbClr val="FFFF00"/>
+                </a:highlight>
                 <a:latin typeface="Nunito"/>
               </a:rPr>
               <a:t>An operating system is a program that acts as an interface between the user and the computer hardware and controls the execution of all kinds of programs.</a:t>
             </a:r>
           </a:p>
           <a:p>
-            <a:r>
-              <a:rPr lang="en-US" dirty="0" smtClean="0"/>
-              <a:t/>
-            </a:r>
             <a:br>
-              <a:rPr lang="en-US" dirty="0" smtClean="0"/>
+              <a:rPr lang="en-US" dirty="0"/>
             </a:br>
             <a:endParaRPr lang="en-IN" dirty="0"/>
           </a:p>
@@ -6084,13 +6098,11 @@
     <a:masterClrMapping/>
   </p:clrMapOvr>
   <p:transition/>
-  <p:timing>
-    <p:tnLst>
-      <p:par>
-        <p:cTn id="1" dur="indefinite" restart="never" nodeType="tmRoot"/>
-      </p:par>
-    </p:tnLst>
-  </p:timing>
+  <p:extLst>
+    <p:ext uri="{6950BFC3-D8DA-4A85-94F7-54DA5524770B}">
+      <p188:commentRel xmlns:p188="http://schemas.microsoft.com/office/powerpoint/2018/8/main" r:id="rId3"/>
+    </p:ext>
+  </p:extLst>
 </p:sld>
 </file>
 
@@ -6154,7 +6166,11 @@
               </a:lnSpc>
             </a:pPr>
             <a:r>
-              <a:rPr lang="en-US" sz="2400"/>
+              <a:rPr lang="en-US" sz="2400" dirty="0">
+                <a:highlight>
+                  <a:srgbClr val="FFFF00"/>
+                </a:highlight>
+              </a:rPr>
               <a:t>The operating system (OS) is the program which starts up when you turn on your computer and runs underneath all other programs - without it nothing would happen at all.</a:t>
             </a:r>
           </a:p>
@@ -6165,15 +6181,27 @@
               </a:lnSpc>
             </a:pPr>
             <a:r>
-              <a:rPr lang="en-US" sz="2400"/>
+              <a:rPr lang="en-US" sz="2400" dirty="0">
+                <a:highlight>
+                  <a:srgbClr val="FFFF00"/>
+                </a:highlight>
+              </a:rPr>
               <a:t>In simple terms, an operating system is a </a:t>
             </a:r>
             <a:r>
-              <a:rPr lang="en-US" sz="2400" i="1"/>
+              <a:rPr lang="en-US" sz="2400" i="1" dirty="0">
+                <a:highlight>
+                  <a:srgbClr val="FFFF00"/>
+                </a:highlight>
+              </a:rPr>
               <a:t>manager</a:t>
             </a:r>
             <a:r>
-              <a:rPr lang="en-US" sz="2400"/>
+              <a:rPr lang="en-US" sz="2400" dirty="0">
+                <a:highlight>
+                  <a:srgbClr val="FFFF00"/>
+                </a:highlight>
+              </a:rPr>
               <a:t>. It manages all the available resources on a computer, from the CPU, to memory, to hard disk accesses.</a:t>
             </a:r>
           </a:p>
@@ -6184,7 +6212,11 @@
               </a:lnSpc>
             </a:pPr>
             <a:r>
-              <a:rPr lang="en-US" sz="2400"/>
+              <a:rPr lang="en-US" sz="2400" dirty="0">
+                <a:highlight>
+                  <a:srgbClr val="FFFF00"/>
+                </a:highlight>
+              </a:rPr>
               <a:t>Tasks the operating system must perform:</a:t>
             </a:r>
           </a:p>
@@ -6195,11 +6227,19 @@
               </a:lnSpc>
             </a:pPr>
             <a:r>
-              <a:rPr lang="en-US" sz="2000" b="1"/>
+              <a:rPr lang="en-US" sz="2000" b="1" dirty="0">
+                <a:highlight>
+                  <a:srgbClr val="FFFF00"/>
+                </a:highlight>
+              </a:rPr>
               <a:t>Control Hardware</a:t>
             </a:r>
             <a:r>
-              <a:rPr lang="en-US" sz="2000"/>
+              <a:rPr lang="en-US" sz="2000" dirty="0">
+                <a:highlight>
+                  <a:srgbClr val="FFFF00"/>
+                </a:highlight>
+              </a:rPr>
               <a:t> - The operating system controls all the parts of the computer and attempts to get everything working together. </a:t>
             </a:r>
           </a:p>
@@ -6210,11 +6250,19 @@
               </a:lnSpc>
             </a:pPr>
             <a:r>
-              <a:rPr lang="en-US" sz="2000" b="1"/>
+              <a:rPr lang="en-US" sz="2000" b="1" dirty="0">
+                <a:highlight>
+                  <a:srgbClr val="FFFF00"/>
+                </a:highlight>
+              </a:rPr>
               <a:t>Run Applications</a:t>
             </a:r>
             <a:r>
-              <a:rPr lang="en-US" sz="2000"/>
+              <a:rPr lang="en-US" sz="2000" dirty="0">
+                <a:highlight>
+                  <a:srgbClr val="FFFF00"/>
+                </a:highlight>
+              </a:rPr>
               <a:t> - Another job the OS does is run application software. This would include word processors, web browsers, games, etc... </a:t>
             </a:r>
           </a:p>
@@ -6225,11 +6273,19 @@
               </a:lnSpc>
             </a:pPr>
             <a:r>
-              <a:rPr lang="en-US" sz="2000" b="1"/>
+              <a:rPr lang="en-US" sz="2000" b="1" dirty="0">
+                <a:highlight>
+                  <a:srgbClr val="FFFF00"/>
+                </a:highlight>
+              </a:rPr>
               <a:t>Manage Data and Files</a:t>
             </a:r>
             <a:r>
-              <a:rPr lang="en-US" sz="2000"/>
+              <a:rPr lang="en-US" sz="2000" dirty="0">
+                <a:highlight>
+                  <a:srgbClr val="FFFF00"/>
+                </a:highlight>
+              </a:rPr>
               <a:t> - The OS makes it easy for you to organize your computer. Through the OS you are able to do a number of things to data, including copy, move, delete, and rename it. This makes it much easier to find and organize what you have. </a:t>
             </a:r>
           </a:p>
@@ -6239,7 +6295,7 @@
                 <a:spcPct val="80000"/>
               </a:lnSpc>
             </a:pPr>
-            <a:endParaRPr lang="en-US" sz="2400"/>
+            <a:endParaRPr lang="en-US" sz="2400" dirty="0"/>
           </a:p>
         </p:txBody>
       </p:sp>
@@ -6254,13 +6310,6 @@
     <a:masterClrMapping/>
   </p:clrMapOvr>
   <p:transition/>
-  <p:timing>
-    <p:tnLst>
-      <p:par>
-        <p:cTn id="1" dur="indefinite" restart="never" nodeType="tmRoot"/>
-      </p:par>
-    </p:tnLst>
-  </p:timing>
 </p:sld>
 </file>
 
@@ -6297,7 +6346,7 @@
           <a:lstStyle/>
           <a:p>
             <a:r>
-              <a:rPr lang="en-US"/>
+              <a:rPr lang="en-US" dirty="0"/>
               <a:t>UNIX History</a:t>
             </a:r>
           </a:p>
@@ -6379,7 +6428,6 @@
               <a:rPr lang="en-US" sz="2400" dirty="0"/>
               <a:t>An interesting and rather up-to-date timeline of these variations of UNIX can be found at </a:t>
             </a:r>
-            <a:endParaRPr lang="en-US" sz="2400" dirty="0" smtClean="0"/>
           </a:p>
           <a:p>
             <a:pPr>
@@ -6388,16 +6436,10 @@
               </a:lnSpc>
             </a:pPr>
             <a:r>
-              <a:rPr lang="en-US" sz="2400" dirty="0" smtClean="0">
-                <a:hlinkClick r:id="rId3"/>
+              <a:rPr lang="en-US" sz="2400" dirty="0">
+                <a:hlinkClick r:id="rId4"/>
               </a:rPr>
-              <a:t>http</a:t>
-            </a:r>
-            <a:r>
-              <a:rPr lang="en-US" sz="2400" dirty="0">
-                <a:hlinkClick r:id="rId3"/>
-              </a:rPr>
-              <a:t>://www.levenez.com/unix/history.html</a:t>
+              <a:t>http://www.levenez.com/unix/history.html</a:t>
             </a:r>
             <a:r>
               <a:rPr lang="en-US" sz="2400" dirty="0"/>
@@ -6417,13 +6459,11 @@
     <a:masterClrMapping/>
   </p:clrMapOvr>
   <p:transition/>
-  <p:timing>
-    <p:tnLst>
-      <p:par>
-        <p:cTn id="1" dur="indefinite" restart="never" nodeType="tmRoot"/>
-      </p:par>
-    </p:tnLst>
-  </p:timing>
+  <p:extLst>
+    <p:ext uri="{6950BFC3-D8DA-4A85-94F7-54DA5524770B}">
+      <p188:commentRel xmlns:p188="http://schemas.microsoft.com/office/powerpoint/2018/8/main" r:id="rId3"/>
+    </p:ext>
+  </p:extLst>
 </p:sld>
 </file>
 
@@ -6460,13 +6500,20 @@
           <a:lstStyle/>
           <a:p>
             <a:r>
-              <a:rPr lang="en-IN" dirty="0" smtClean="0">
+              <a:rPr lang="en-IN" dirty="0">
+                <a:highlight>
+                  <a:srgbClr val="FFFF00"/>
+                </a:highlight>
                 <a:latin typeface="Times New Roman" panose="02020603050405020304" pitchFamily="18" charset="0"/>
                 <a:cs typeface="Times New Roman" panose="02020603050405020304" pitchFamily="18" charset="0"/>
               </a:rPr>
               <a:t>System Structure</a:t>
             </a:r>
-            <a:endParaRPr lang="en-IN" dirty="0"/>
+            <a:endParaRPr lang="en-IN" dirty="0">
+              <a:highlight>
+                <a:srgbClr val="FFFF00"/>
+              </a:highlight>
+            </a:endParaRPr>
           </a:p>
         </p:txBody>
       </p:sp>
@@ -6584,7 +6631,7 @@
           <a:lstStyle/>
           <a:p>
             <a:r>
-              <a:rPr lang="en-IN" dirty="0" smtClean="0">
+              <a:rPr lang="en-IN" dirty="0">
                 <a:latin typeface="Times New Roman" panose="02020603050405020304" pitchFamily="18" charset="0"/>
                 <a:cs typeface="Times New Roman" panose="02020603050405020304" pitchFamily="18" charset="0"/>
               </a:rPr>
@@ -6612,47 +6659,62 @@
           <a:lstStyle/>
           <a:p>
             <a:r>
-              <a:rPr lang="en-US" dirty="0"/>
-              <a:t>While working with UNIX OS, several layers of this system provide interaction between the pc hardware and the user</a:t>
-            </a:r>
-            <a:r>
-              <a:rPr lang="en-US" dirty="0" smtClean="0"/>
-              <a:t>.</a:t>
-            </a:r>
-          </a:p>
-          <a:p>
-            <a:r>
-              <a:rPr lang="en-US" dirty="0"/>
+              <a:rPr lang="en-US" dirty="0">
+                <a:highlight>
+                  <a:srgbClr val="FFFF00"/>
+                </a:highlight>
+              </a:rPr>
+              <a:t>While working with UNIX OS, several layers of this system provide interaction between the pc hardware and the user.</a:t>
+            </a:r>
+          </a:p>
+          <a:p>
+            <a:r>
+              <a:rPr lang="en-US" dirty="0">
+                <a:highlight>
+                  <a:srgbClr val="FFFF00"/>
+                </a:highlight>
+              </a:rPr>
               <a:t>Layer-1: Hardware -</a:t>
             </a:r>
           </a:p>
           <a:p>
             <a:r>
-              <a:rPr lang="en-US" dirty="0"/>
+              <a:rPr lang="en-US" dirty="0">
+                <a:highlight>
+                  <a:srgbClr val="FFFF00"/>
+                </a:highlight>
+              </a:rPr>
               <a:t>This layer of UNIX consists of all hardware-related information in the UNIX environment.</a:t>
             </a:r>
           </a:p>
           <a:p>
             <a:r>
-              <a:rPr lang="en-US" dirty="0"/>
+              <a:rPr lang="en-US" dirty="0">
+                <a:highlight>
+                  <a:srgbClr val="FFFF00"/>
+                </a:highlight>
+              </a:rPr>
               <a:t>Layer-2: Kernel -</a:t>
             </a:r>
           </a:p>
           <a:p>
             <a:r>
-              <a:rPr lang="en-US" dirty="0"/>
+              <a:rPr lang="en-US" dirty="0">
+                <a:highlight>
+                  <a:srgbClr val="FFFF00"/>
+                </a:highlight>
+              </a:rPr>
               <a:t>The core of the operating system that's liable for maintaining the full functionality is named the kernel. </a:t>
             </a:r>
-            <a:endParaRPr lang="en-US" dirty="0" smtClean="0"/>
-          </a:p>
-          <a:p>
-            <a:r>
-              <a:rPr lang="en-US" dirty="0" smtClean="0"/>
-              <a:t>The </a:t>
-            </a:r>
-            <a:r>
-              <a:rPr lang="en-US" dirty="0"/>
-              <a:t>kernel of UNIX runs on the particular machine hardware and interacts with the hardware effectively.</a:t>
+          </a:p>
+          <a:p>
+            <a:r>
+              <a:rPr lang="en-US" dirty="0">
+                <a:highlight>
+                  <a:srgbClr val="FFFF00"/>
+                </a:highlight>
+              </a:rPr>
+              <a:t>The kernel of UNIX runs on the particular machine hardware and interacts with the hardware effectively.</a:t>
             </a:r>
           </a:p>
           <a:p>
@@ -6706,7 +6768,7 @@
           <a:lstStyle/>
           <a:p>
             <a:r>
-              <a:rPr lang="en-IN" dirty="0" smtClean="0">
+              <a:rPr lang="en-IN" dirty="0">
                 <a:latin typeface="Times New Roman" panose="02020603050405020304" pitchFamily="18" charset="0"/>
                 <a:cs typeface="Times New Roman" panose="02020603050405020304" pitchFamily="18" charset="0"/>
               </a:rPr>

--- a/Linux and Unix/Unit 1.pptx
+++ b/Linux and Unix/Unit 1.pptx
@@ -1,33 +1,33 @@
 
 <file path=ppt/presentation.xml><?xml version="1.0" encoding="utf-8"?>
-<p:presentation xmlns:a="http://schemas.openxmlformats.org/drawingml/2006/main" xmlns:r="http://schemas.openxmlformats.org/officeDocument/2006/relationships" xmlns:p="http://schemas.openxmlformats.org/presentationml/2006/main" saveSubsetFonts="1">
+<p:presentation xmlns:a="http://schemas.openxmlformats.org/drawingml/2006/main" xmlns:r="http://schemas.openxmlformats.org/officeDocument/2006/relationships" xmlns:p="http://schemas.openxmlformats.org/presentationml/2006/main">
   <p:sldMasterIdLst>
     <p:sldMasterId id="2147483648" r:id="rId1"/>
   </p:sldMasterIdLst>
   <p:notesMasterIdLst>
-    <p:notesMasterId r:id="rId22"/>
+    <p:notesMasterId r:id="rId7"/>
   </p:notesMasterIdLst>
   <p:sldIdLst>
-    <p:sldId id="257" r:id="rId2"/>
-    <p:sldId id="256" r:id="rId3"/>
-    <p:sldId id="267" r:id="rId4"/>
-    <p:sldId id="265" r:id="rId5"/>
-    <p:sldId id="259" r:id="rId6"/>
-    <p:sldId id="260" r:id="rId7"/>
-    <p:sldId id="261" r:id="rId8"/>
-    <p:sldId id="258" r:id="rId9"/>
-    <p:sldId id="262" r:id="rId10"/>
-    <p:sldId id="263" r:id="rId11"/>
-    <p:sldId id="264" r:id="rId12"/>
-    <p:sldId id="269" r:id="rId13"/>
-    <p:sldId id="270" r:id="rId14"/>
-    <p:sldId id="271" r:id="rId15"/>
-    <p:sldId id="266" r:id="rId16"/>
-    <p:sldId id="272" r:id="rId17"/>
-    <p:sldId id="273" r:id="rId18"/>
-    <p:sldId id="268" r:id="rId19"/>
-    <p:sldId id="274" r:id="rId20"/>
-    <p:sldId id="275" r:id="rId21"/>
+    <p:sldId id="257" r:id="rId3"/>
+    <p:sldId id="256" r:id="rId4"/>
+    <p:sldId id="267" r:id="rId5"/>
+    <p:sldId id="265" r:id="rId6"/>
+    <p:sldId id="259" r:id="rId8"/>
+    <p:sldId id="260" r:id="rId9"/>
+    <p:sldId id="261" r:id="rId10"/>
+    <p:sldId id="258" r:id="rId11"/>
+    <p:sldId id="262" r:id="rId12"/>
+    <p:sldId id="263" r:id="rId13"/>
+    <p:sldId id="264" r:id="rId14"/>
+    <p:sldId id="269" r:id="rId15"/>
+    <p:sldId id="270" r:id="rId16"/>
+    <p:sldId id="271" r:id="rId17"/>
+    <p:sldId id="266" r:id="rId18"/>
+    <p:sldId id="272" r:id="rId19"/>
+    <p:sldId id="273" r:id="rId20"/>
+    <p:sldId id="268" r:id="rId21"/>
+    <p:sldId id="274" r:id="rId22"/>
+    <p:sldId id="275" r:id="rId23"/>
   </p:sldIdLst>
   <p:sldSz cx="12192000" cy="6858000"/>
   <p:notesSz cx="6858000" cy="9144000"/>
@@ -126,103 +126,7 @@
       </a:defRPr>
     </a:lvl9pPr>
   </p:defaultTextStyle>
-  <p:extLst>
-    <p:ext uri="{EFAFB233-063F-42B5-8137-9DF3F51BA10A}">
-      <p15:sldGuideLst xmlns:p15="http://schemas.microsoft.com/office/powerpoint/2012/main">
-        <p15:guide id="1" orient="horz" pos="2160" userDrawn="1">
-          <p15:clr>
-            <a:srgbClr val="A4A3A4"/>
-          </p15:clr>
-        </p15:guide>
-        <p15:guide id="2" pos="3840" userDrawn="1">
-          <p15:clr>
-            <a:srgbClr val="A4A3A4"/>
-          </p15:clr>
-        </p15:guide>
-      </p15:sldGuideLst>
-    </p:ext>
-  </p:extLst>
 </p:presentation>
-</file>
-
-<file path=ppt/authors.xml><?xml version="1.0" encoding="utf-8"?>
-<p188:authorLst xmlns:a="http://schemas.openxmlformats.org/drawingml/2006/main" xmlns:r="http://schemas.openxmlformats.org/officeDocument/2006/relationships" xmlns:p188="http://schemas.microsoft.com/office/powerpoint/2018/8/main">
-  <p188:author id="{F546BDE5-950C-766E-D6A1-E8BE00F2FC6A}" name="ATHARVA SHAH  (Student)" initials="AS(" userId="S::atharva.shah@deccansociety.org::dbbf3d5e-927d-4e7c-a34d-ba6a8ff022a5" providerId="AD"/>
-</p188:authorLst>
-</file>
-
-<file path=ppt/comments/modernComment_104_1103C6D4.xml><?xml version="1.0" encoding="utf-8"?>
-<p188:cmLst xmlns:a="http://schemas.openxmlformats.org/drawingml/2006/main" xmlns:r="http://schemas.openxmlformats.org/officeDocument/2006/relationships" xmlns:p188="http://schemas.microsoft.com/office/powerpoint/2018/8/main">
-  <p188:cm id="{0F464183-D6A3-4675-BBBD-5A7BD3592489}" authorId="{F546BDE5-950C-766E-D6A1-E8BE00F2FC6A}" created="2023-03-13T03:44:19.786">
-    <ac:txMkLst xmlns:ac="http://schemas.microsoft.com/office/drawing/2013/main/command">
-      <pc:docMk xmlns:pc="http://schemas.microsoft.com/office/powerpoint/2013/main/command"/>
-      <pc:sldMk xmlns:pc="http://schemas.microsoft.com/office/powerpoint/2013/main/command" cId="285460180" sldId="260"/>
-      <ac:spMk id="4098" creationId="{00000000-0000-0000-0000-000000000000}"/>
-      <ac:txMk cp="0" len="12">
-        <ac:context len="13" hash="1496204867"/>
-      </ac:txMk>
-    </ac:txMkLst>
-    <p188:pos x="3097696" y="598971"/>
-    <p188:txBody>
-      <a:bodyPr/>
-      <a:lstStyle/>
-      <a:p>
-        <a:r>
-          <a:rPr lang="en-US"/>
-          <a:t>Describe History of Unix OS</a:t>
-        </a:r>
-      </a:p>
-    </p188:txBody>
-  </p188:cm>
-</p188:cmLst>
-</file>
-
-<file path=ppt/comments/modernComment_109_85056D14.xml><?xml version="1.0" encoding="utf-8"?>
-<p188:cmLst xmlns:a="http://schemas.openxmlformats.org/drawingml/2006/main" xmlns:r="http://schemas.openxmlformats.org/officeDocument/2006/relationships" xmlns:p188="http://schemas.microsoft.com/office/powerpoint/2018/8/main">
-  <p188:cm id="{C9716138-96EA-4617-88BD-CF0CCB20248C}" authorId="{F546BDE5-950C-766E-D6A1-E8BE00F2FC6A}" created="2023-03-13T03:42:29.141">
-    <ac:deMkLst xmlns:ac="http://schemas.microsoft.com/office/drawing/2013/main/command">
-      <pc:docMk xmlns:pc="http://schemas.microsoft.com/office/powerpoint/2013/main/command"/>
-      <pc:sldMk xmlns:pc="http://schemas.microsoft.com/office/powerpoint/2013/main/command" cId="2231725332" sldId="265"/>
-      <ac:spMk id="3" creationId="{00000000-0000-0000-0000-000000000000}"/>
-    </ac:deMkLst>
-    <p188:txBody>
-      <a:bodyPr/>
-      <a:lstStyle/>
-      <a:p>
-        <a:r>
-          <a:rPr lang="en-US"/>
-          <a:t>Explain OS and write about Unix OS with diagram</a:t>
-        </a:r>
-      </a:p>
-    </p188:txBody>
-  </p188:cm>
-</p188:cmLst>
-</file>
-
-<file path=ppt/comments/modernComment_10D_64807DE2.xml><?xml version="1.0" encoding="utf-8"?>
-<p188:cmLst xmlns:a="http://schemas.openxmlformats.org/drawingml/2006/main" xmlns:r="http://schemas.openxmlformats.org/officeDocument/2006/relationships" xmlns:p188="http://schemas.microsoft.com/office/powerpoint/2018/8/main">
-  <p188:cm id="{9E0FB389-8ED1-4B39-B16A-06B63AE7326A}" authorId="{F546BDE5-950C-766E-D6A1-E8BE00F2FC6A}" created="2023-03-13T03:44:47.438">
-    <ac:txMkLst xmlns:ac="http://schemas.microsoft.com/office/drawing/2013/main/command">
-      <pc:docMk xmlns:pc="http://schemas.microsoft.com/office/powerpoint/2013/main/command"/>
-      <pc:sldMk xmlns:pc="http://schemas.microsoft.com/office/powerpoint/2013/main/command" cId="1686142434" sldId="269"/>
-      <ac:spMk id="2" creationId="{00000000-0000-0000-0000-000000000000}"/>
-      <ac:txMk cp="0" len="32">
-        <ac:context len="34" hash="3758333569"/>
-      </ac:txMk>
-    </ac:txMkLst>
-    <p188:pos x="7282070" y="290858"/>
-    <p188:txBody>
-      <a:bodyPr/>
-      <a:lstStyle/>
-      <a:p>
-        <a:r>
-          <a:rPr lang="en-US"/>
-          <a:t>Short note on File System</a:t>
-        </a:r>
-      </a:p>
-    </p188:txBody>
-  </p188:cm>
-</p188:cmLst>
 </file>
 
 <file path=ppt/notesMasters/notesMaster1.xml><?xml version="1.0" encoding="utf-8"?>
@@ -307,7 +211,6 @@
           <a:p>
             <a:fld id="{D5F584E4-BDDE-41FC-BE42-829D2A6070DE}" type="datetimeFigureOut">
               <a:rPr lang="en-IN" smtClean="0"/>
-              <a:t>13-03-2023</a:t>
             </a:fld>
             <a:endParaRPr lang="en-IN"/>
           </a:p>
@@ -374,6 +277,7 @@
               <a:rPr lang="en-US"/>
               <a:t>Click to edit Master text styles</a:t>
             </a:r>
+            <a:endParaRPr lang="en-US"/>
           </a:p>
           <a:p>
             <a:pPr lvl="1"/>
@@ -381,6 +285,7 @@
               <a:rPr lang="en-US"/>
               <a:t>Second level</a:t>
             </a:r>
+            <a:endParaRPr lang="en-US"/>
           </a:p>
           <a:p>
             <a:pPr lvl="2"/>
@@ -388,6 +293,7 @@
               <a:rPr lang="en-US"/>
               <a:t>Third level</a:t>
             </a:r>
+            <a:endParaRPr lang="en-US"/>
           </a:p>
           <a:p>
             <a:pPr lvl="3"/>
@@ -395,6 +301,7 @@
               <a:rPr lang="en-US"/>
               <a:t>Fourth level</a:t>
             </a:r>
+            <a:endParaRPr lang="en-US"/>
           </a:p>
           <a:p>
             <a:pPr lvl="4"/>
@@ -466,18 +373,12 @@
           <a:p>
             <a:fld id="{2D3F46BE-F175-4087-9A58-8093439C6FFF}" type="slidenum">
               <a:rPr lang="en-IN" smtClean="0"/>
-              <a:t>‹#›</a:t>
             </a:fld>
             <a:endParaRPr lang="en-IN"/>
           </a:p>
         </p:txBody>
       </p:sp>
     </p:spTree>
-    <p:extLst>
-      <p:ext uri="{BB962C8B-B14F-4D97-AF65-F5344CB8AC3E}">
-        <p14:creationId xmlns:p14="http://schemas.microsoft.com/office/powerpoint/2010/main" val="346507936"/>
-      </p:ext>
-    </p:extLst>
   </p:cSld>
   <p:clrMap bg1="lt1" tx1="dk1" bg2="lt2" tx2="dk2" accent1="accent1" accent2="accent2" accent3="accent3" accent4="accent4" accent5="accent5" accent6="accent6" hlink="hlink" folHlink="folHlink"/>
   <p:notesStyle>
@@ -602,17 +503,13 @@
             <p:ph type="sldNum" sz="quarter" idx="5"/>
           </p:nvPr>
         </p:nvSpPr>
-        <p:spPr>
-          <a:ln/>
-        </p:spPr>
+        <p:spPr/>
         <p:txBody>
           <a:bodyPr/>
           <a:lstStyle/>
           <a:p>
             <a:fld id="{CA5EAE58-774C-4F5B-B448-9E77655ADEAE}" type="slidenum">
               <a:rPr lang="en-US"/>
-              <a:pPr/>
-              <a:t>4</a:t>
             </a:fld>
             <a:endParaRPr lang="en-US"/>
           </a:p>
@@ -628,9 +525,7 @@
             <p:ph type="sldImg"/>
           </p:nvPr>
         </p:nvSpPr>
-        <p:spPr>
-          <a:ln/>
-        </p:spPr>
+        <p:spPr/>
       </p:sp>
       <p:sp>
         <p:nvSpPr>
@@ -652,11 +547,6 @@
         </p:txBody>
       </p:sp>
     </p:spTree>
-    <p:extLst>
-      <p:ext uri="{BB962C8B-B14F-4D97-AF65-F5344CB8AC3E}">
-        <p14:creationId xmlns:p14="http://schemas.microsoft.com/office/powerpoint/2010/main" val="1610594448"/>
-      </p:ext>
-    </p:extLst>
   </p:cSld>
   <p:clrMapOvr>
     <a:masterClrMapping/>
@@ -691,17 +581,13 @@
             <p:ph type="sldNum" sz="quarter" idx="5"/>
           </p:nvPr>
         </p:nvSpPr>
-        <p:spPr>
-          <a:ln/>
-        </p:spPr>
+        <p:spPr/>
         <p:txBody>
           <a:bodyPr/>
           <a:lstStyle/>
           <a:p>
             <a:fld id="{CA5EAE58-774C-4F5B-B448-9E77655ADEAE}" type="slidenum">
               <a:rPr lang="en-US"/>
-              <a:pPr/>
-              <a:t>5</a:t>
             </a:fld>
             <a:endParaRPr lang="en-US"/>
           </a:p>
@@ -717,9 +603,7 @@
             <p:ph type="sldImg"/>
           </p:nvPr>
         </p:nvSpPr>
-        <p:spPr>
-          <a:ln/>
-        </p:spPr>
+        <p:spPr/>
       </p:sp>
       <p:sp>
         <p:nvSpPr>
@@ -741,11 +625,6 @@
         </p:txBody>
       </p:sp>
     </p:spTree>
-    <p:extLst>
-      <p:ext uri="{BB962C8B-B14F-4D97-AF65-F5344CB8AC3E}">
-        <p14:creationId xmlns:p14="http://schemas.microsoft.com/office/powerpoint/2010/main" val="3502638480"/>
-      </p:ext>
-    </p:extLst>
   </p:cSld>
   <p:clrMapOvr>
     <a:masterClrMapping/>
@@ -780,17 +659,13 @@
             <p:ph type="sldNum" sz="quarter" idx="5"/>
           </p:nvPr>
         </p:nvSpPr>
-        <p:spPr>
-          <a:ln/>
-        </p:spPr>
+        <p:spPr/>
         <p:txBody>
           <a:bodyPr/>
           <a:lstStyle/>
           <a:p>
             <a:fld id="{8F2C40ED-2D0F-4644-9C64-7D5D6EF4A9E0}" type="slidenum">
               <a:rPr lang="en-US"/>
-              <a:pPr/>
-              <a:t>6</a:t>
             </a:fld>
             <a:endParaRPr lang="en-US"/>
           </a:p>
@@ -806,9 +681,7 @@
             <p:ph type="sldImg"/>
           </p:nvPr>
         </p:nvSpPr>
-        <p:spPr>
-          <a:ln/>
-        </p:spPr>
+        <p:spPr/>
       </p:sp>
       <p:sp>
         <p:nvSpPr>
@@ -830,11 +703,6 @@
         </p:txBody>
       </p:sp>
     </p:spTree>
-    <p:extLst>
-      <p:ext uri="{BB962C8B-B14F-4D97-AF65-F5344CB8AC3E}">
-        <p14:creationId xmlns:p14="http://schemas.microsoft.com/office/powerpoint/2010/main" val="2697314112"/>
-      </p:ext>
-    </p:extLst>
   </p:cSld>
   <p:clrMapOvr>
     <a:masterClrMapping/>
@@ -973,7 +841,6 @@
           <a:p>
             <a:fld id="{D8E15C20-523A-4546-901D-C7C0C6B0E9AC}" type="datetimeFigureOut">
               <a:rPr lang="en-IN" smtClean="0"/>
-              <a:t>13-03-2023</a:t>
             </a:fld>
             <a:endParaRPr lang="en-IN"/>
           </a:p>
@@ -1015,18 +882,12 @@
           <a:p>
             <a:fld id="{CEDD83F1-02FA-4C4B-B9DF-118727A82FB6}" type="slidenum">
               <a:rPr lang="en-IN" smtClean="0"/>
-              <a:t>‹#›</a:t>
             </a:fld>
             <a:endParaRPr lang="en-IN"/>
           </a:p>
         </p:txBody>
       </p:sp>
     </p:spTree>
-    <p:extLst>
-      <p:ext uri="{BB962C8B-B14F-4D97-AF65-F5344CB8AC3E}">
-        <p14:creationId xmlns:p14="http://schemas.microsoft.com/office/powerpoint/2010/main" val="1717260919"/>
-      </p:ext>
-    </p:extLst>
   </p:cSld>
   <p:clrMapOvr>
     <a:masterClrMapping/>
@@ -1094,6 +955,7 @@
               <a:rPr lang="en-US"/>
               <a:t>Click to edit Master text styles</a:t>
             </a:r>
+            <a:endParaRPr lang="en-US"/>
           </a:p>
           <a:p>
             <a:pPr lvl="1"/>
@@ -1101,6 +963,7 @@
               <a:rPr lang="en-US"/>
               <a:t>Second level</a:t>
             </a:r>
+            <a:endParaRPr lang="en-US"/>
           </a:p>
           <a:p>
             <a:pPr lvl="2"/>
@@ -1108,6 +971,7 @@
               <a:rPr lang="en-US"/>
               <a:t>Third level</a:t>
             </a:r>
+            <a:endParaRPr lang="en-US"/>
           </a:p>
           <a:p>
             <a:pPr lvl="3"/>
@@ -1115,6 +979,7 @@
               <a:rPr lang="en-US"/>
               <a:t>Fourth level</a:t>
             </a:r>
+            <a:endParaRPr lang="en-US"/>
           </a:p>
           <a:p>
             <a:pPr lvl="4"/>
@@ -1143,7 +1008,6 @@
           <a:p>
             <a:fld id="{D8E15C20-523A-4546-901D-C7C0C6B0E9AC}" type="datetimeFigureOut">
               <a:rPr lang="en-IN" smtClean="0"/>
-              <a:t>13-03-2023</a:t>
             </a:fld>
             <a:endParaRPr lang="en-IN"/>
           </a:p>
@@ -1185,18 +1049,12 @@
           <a:p>
             <a:fld id="{CEDD83F1-02FA-4C4B-B9DF-118727A82FB6}" type="slidenum">
               <a:rPr lang="en-IN" smtClean="0"/>
-              <a:t>‹#›</a:t>
             </a:fld>
             <a:endParaRPr lang="en-IN"/>
           </a:p>
         </p:txBody>
       </p:sp>
     </p:spTree>
-    <p:extLst>
-      <p:ext uri="{BB962C8B-B14F-4D97-AF65-F5344CB8AC3E}">
-        <p14:creationId xmlns:p14="http://schemas.microsoft.com/office/powerpoint/2010/main" val="1189808630"/>
-      </p:ext>
-    </p:extLst>
   </p:cSld>
   <p:clrMapOvr>
     <a:masterClrMapping/>
@@ -1274,6 +1132,7 @@
               <a:rPr lang="en-US"/>
               <a:t>Click to edit Master text styles</a:t>
             </a:r>
+            <a:endParaRPr lang="en-US"/>
           </a:p>
           <a:p>
             <a:pPr lvl="1"/>
@@ -1281,6 +1140,7 @@
               <a:rPr lang="en-US"/>
               <a:t>Second level</a:t>
             </a:r>
+            <a:endParaRPr lang="en-US"/>
           </a:p>
           <a:p>
             <a:pPr lvl="2"/>
@@ -1288,6 +1148,7 @@
               <a:rPr lang="en-US"/>
               <a:t>Third level</a:t>
             </a:r>
+            <a:endParaRPr lang="en-US"/>
           </a:p>
           <a:p>
             <a:pPr lvl="3"/>
@@ -1295,6 +1156,7 @@
               <a:rPr lang="en-US"/>
               <a:t>Fourth level</a:t>
             </a:r>
+            <a:endParaRPr lang="en-US"/>
           </a:p>
           <a:p>
             <a:pPr lvl="4"/>
@@ -1323,7 +1185,6 @@
           <a:p>
             <a:fld id="{D8E15C20-523A-4546-901D-C7C0C6B0E9AC}" type="datetimeFigureOut">
               <a:rPr lang="en-IN" smtClean="0"/>
-              <a:t>13-03-2023</a:t>
             </a:fld>
             <a:endParaRPr lang="en-IN"/>
           </a:p>
@@ -1365,18 +1226,12 @@
           <a:p>
             <a:fld id="{CEDD83F1-02FA-4C4B-B9DF-118727A82FB6}" type="slidenum">
               <a:rPr lang="en-IN" smtClean="0"/>
-              <a:t>‹#›</a:t>
             </a:fld>
             <a:endParaRPr lang="en-IN"/>
           </a:p>
         </p:txBody>
       </p:sp>
     </p:spTree>
-    <p:extLst>
-      <p:ext uri="{BB962C8B-B14F-4D97-AF65-F5344CB8AC3E}">
-        <p14:creationId xmlns:p14="http://schemas.microsoft.com/office/powerpoint/2010/main" val="3051015721"/>
-      </p:ext>
-    </p:extLst>
   </p:cSld>
   <p:clrMapOvr>
     <a:masterClrMapping/>
@@ -1444,6 +1299,7 @@
               <a:rPr lang="en-US"/>
               <a:t>Click to edit Master text styles</a:t>
             </a:r>
+            <a:endParaRPr lang="en-US"/>
           </a:p>
           <a:p>
             <a:pPr lvl="1"/>
@@ -1451,6 +1307,7 @@
               <a:rPr lang="en-US"/>
               <a:t>Second level</a:t>
             </a:r>
+            <a:endParaRPr lang="en-US"/>
           </a:p>
           <a:p>
             <a:pPr lvl="2"/>
@@ -1458,6 +1315,7 @@
               <a:rPr lang="en-US"/>
               <a:t>Third level</a:t>
             </a:r>
+            <a:endParaRPr lang="en-US"/>
           </a:p>
           <a:p>
             <a:pPr lvl="3"/>
@@ -1465,6 +1323,7 @@
               <a:rPr lang="en-US"/>
               <a:t>Fourth level</a:t>
             </a:r>
+            <a:endParaRPr lang="en-US"/>
           </a:p>
           <a:p>
             <a:pPr lvl="4"/>
@@ -1493,7 +1352,6 @@
           <a:p>
             <a:fld id="{D8E15C20-523A-4546-901D-C7C0C6B0E9AC}" type="datetimeFigureOut">
               <a:rPr lang="en-IN" smtClean="0"/>
-              <a:t>13-03-2023</a:t>
             </a:fld>
             <a:endParaRPr lang="en-IN"/>
           </a:p>
@@ -1535,18 +1393,12 @@
           <a:p>
             <a:fld id="{CEDD83F1-02FA-4C4B-B9DF-118727A82FB6}" type="slidenum">
               <a:rPr lang="en-IN" smtClean="0"/>
-              <a:t>‹#›</a:t>
             </a:fld>
             <a:endParaRPr lang="en-IN"/>
           </a:p>
         </p:txBody>
       </p:sp>
     </p:spTree>
-    <p:extLst>
-      <p:ext uri="{BB962C8B-B14F-4D97-AF65-F5344CB8AC3E}">
-        <p14:creationId xmlns:p14="http://schemas.microsoft.com/office/powerpoint/2010/main" val="1819614935"/>
-      </p:ext>
-    </p:extLst>
   </p:cSld>
   <p:clrMapOvr>
     <a:masterClrMapping/>
@@ -1719,6 +1571,7 @@
               <a:rPr lang="en-US"/>
               <a:t>Click to edit Master text styles</a:t>
             </a:r>
+            <a:endParaRPr lang="en-US"/>
           </a:p>
         </p:txBody>
       </p:sp>
@@ -1739,7 +1592,6 @@
           <a:p>
             <a:fld id="{D8E15C20-523A-4546-901D-C7C0C6B0E9AC}" type="datetimeFigureOut">
               <a:rPr lang="en-IN" smtClean="0"/>
-              <a:t>13-03-2023</a:t>
             </a:fld>
             <a:endParaRPr lang="en-IN"/>
           </a:p>
@@ -1781,18 +1633,12 @@
           <a:p>
             <a:fld id="{CEDD83F1-02FA-4C4B-B9DF-118727A82FB6}" type="slidenum">
               <a:rPr lang="en-IN" smtClean="0"/>
-              <a:t>‹#›</a:t>
             </a:fld>
             <a:endParaRPr lang="en-IN"/>
           </a:p>
         </p:txBody>
       </p:sp>
     </p:spTree>
-    <p:extLst>
-      <p:ext uri="{BB962C8B-B14F-4D97-AF65-F5344CB8AC3E}">
-        <p14:creationId xmlns:p14="http://schemas.microsoft.com/office/powerpoint/2010/main" val="2259380197"/>
-      </p:ext>
-    </p:extLst>
   </p:cSld>
   <p:clrMapOvr>
     <a:masterClrMapping/>
@@ -1865,6 +1711,7 @@
               <a:rPr lang="en-US"/>
               <a:t>Click to edit Master text styles</a:t>
             </a:r>
+            <a:endParaRPr lang="en-US"/>
           </a:p>
           <a:p>
             <a:pPr lvl="1"/>
@@ -1872,6 +1719,7 @@
               <a:rPr lang="en-US"/>
               <a:t>Second level</a:t>
             </a:r>
+            <a:endParaRPr lang="en-US"/>
           </a:p>
           <a:p>
             <a:pPr lvl="2"/>
@@ -1879,6 +1727,7 @@
               <a:rPr lang="en-US"/>
               <a:t>Third level</a:t>
             </a:r>
+            <a:endParaRPr lang="en-US"/>
           </a:p>
           <a:p>
             <a:pPr lvl="3"/>
@@ -1886,6 +1735,7 @@
               <a:rPr lang="en-US"/>
               <a:t>Fourth level</a:t>
             </a:r>
+            <a:endParaRPr lang="en-US"/>
           </a:p>
           <a:p>
             <a:pPr lvl="4"/>
@@ -1922,6 +1772,7 @@
               <a:rPr lang="en-US"/>
               <a:t>Click to edit Master text styles</a:t>
             </a:r>
+            <a:endParaRPr lang="en-US"/>
           </a:p>
           <a:p>
             <a:pPr lvl="1"/>
@@ -1929,6 +1780,7 @@
               <a:rPr lang="en-US"/>
               <a:t>Second level</a:t>
             </a:r>
+            <a:endParaRPr lang="en-US"/>
           </a:p>
           <a:p>
             <a:pPr lvl="2"/>
@@ -1936,6 +1788,7 @@
               <a:rPr lang="en-US"/>
               <a:t>Third level</a:t>
             </a:r>
+            <a:endParaRPr lang="en-US"/>
           </a:p>
           <a:p>
             <a:pPr lvl="3"/>
@@ -1943,6 +1796,7 @@
               <a:rPr lang="en-US"/>
               <a:t>Fourth level</a:t>
             </a:r>
+            <a:endParaRPr lang="en-US"/>
           </a:p>
           <a:p>
             <a:pPr lvl="4"/>
@@ -1971,7 +1825,6 @@
           <a:p>
             <a:fld id="{D8E15C20-523A-4546-901D-C7C0C6B0E9AC}" type="datetimeFigureOut">
               <a:rPr lang="en-IN" smtClean="0"/>
-              <a:t>13-03-2023</a:t>
             </a:fld>
             <a:endParaRPr lang="en-IN"/>
           </a:p>
@@ -2013,18 +1866,12 @@
           <a:p>
             <a:fld id="{CEDD83F1-02FA-4C4B-B9DF-118727A82FB6}" type="slidenum">
               <a:rPr lang="en-IN" smtClean="0"/>
-              <a:t>‹#›</a:t>
             </a:fld>
             <a:endParaRPr lang="en-IN"/>
           </a:p>
         </p:txBody>
       </p:sp>
     </p:spTree>
-    <p:extLst>
-      <p:ext uri="{BB962C8B-B14F-4D97-AF65-F5344CB8AC3E}">
-        <p14:creationId xmlns:p14="http://schemas.microsoft.com/office/powerpoint/2010/main" val="1281090890"/>
-      </p:ext>
-    </p:extLst>
   </p:cSld>
   <p:clrMapOvr>
     <a:masterClrMapping/>
@@ -2139,6 +1986,7 @@
               <a:rPr lang="en-US"/>
               <a:t>Click to edit Master text styles</a:t>
             </a:r>
+            <a:endParaRPr lang="en-US"/>
           </a:p>
         </p:txBody>
       </p:sp>
@@ -2167,6 +2015,7 @@
               <a:rPr lang="en-US"/>
               <a:t>Click to edit Master text styles</a:t>
             </a:r>
+            <a:endParaRPr lang="en-US"/>
           </a:p>
           <a:p>
             <a:pPr lvl="1"/>
@@ -2174,6 +2023,7 @@
               <a:rPr lang="en-US"/>
               <a:t>Second level</a:t>
             </a:r>
+            <a:endParaRPr lang="en-US"/>
           </a:p>
           <a:p>
             <a:pPr lvl="2"/>
@@ -2181,6 +2031,7 @@
               <a:rPr lang="en-US"/>
               <a:t>Third level</a:t>
             </a:r>
+            <a:endParaRPr lang="en-US"/>
           </a:p>
           <a:p>
             <a:pPr lvl="3"/>
@@ -2188,6 +2039,7 @@
               <a:rPr lang="en-US"/>
               <a:t>Fourth level</a:t>
             </a:r>
+            <a:endParaRPr lang="en-US"/>
           </a:p>
           <a:p>
             <a:pPr lvl="4"/>
@@ -2261,6 +2113,7 @@
               <a:rPr lang="en-US"/>
               <a:t>Click to edit Master text styles</a:t>
             </a:r>
+            <a:endParaRPr lang="en-US"/>
           </a:p>
         </p:txBody>
       </p:sp>
@@ -2289,6 +2142,7 @@
               <a:rPr lang="en-US"/>
               <a:t>Click to edit Master text styles</a:t>
             </a:r>
+            <a:endParaRPr lang="en-US"/>
           </a:p>
           <a:p>
             <a:pPr lvl="1"/>
@@ -2296,6 +2150,7 @@
               <a:rPr lang="en-US"/>
               <a:t>Second level</a:t>
             </a:r>
+            <a:endParaRPr lang="en-US"/>
           </a:p>
           <a:p>
             <a:pPr lvl="2"/>
@@ -2303,6 +2158,7 @@
               <a:rPr lang="en-US"/>
               <a:t>Third level</a:t>
             </a:r>
+            <a:endParaRPr lang="en-US"/>
           </a:p>
           <a:p>
             <a:pPr lvl="3"/>
@@ -2310,6 +2166,7 @@
               <a:rPr lang="en-US"/>
               <a:t>Fourth level</a:t>
             </a:r>
+            <a:endParaRPr lang="en-US"/>
           </a:p>
           <a:p>
             <a:pPr lvl="4"/>
@@ -2338,7 +2195,6 @@
           <a:p>
             <a:fld id="{D8E15C20-523A-4546-901D-C7C0C6B0E9AC}" type="datetimeFigureOut">
               <a:rPr lang="en-IN" smtClean="0"/>
-              <a:t>13-03-2023</a:t>
             </a:fld>
             <a:endParaRPr lang="en-IN"/>
           </a:p>
@@ -2380,18 +2236,12 @@
           <a:p>
             <a:fld id="{CEDD83F1-02FA-4C4B-B9DF-118727A82FB6}" type="slidenum">
               <a:rPr lang="en-IN" smtClean="0"/>
-              <a:t>‹#›</a:t>
             </a:fld>
             <a:endParaRPr lang="en-IN"/>
           </a:p>
         </p:txBody>
       </p:sp>
     </p:spTree>
-    <p:extLst>
-      <p:ext uri="{BB962C8B-B14F-4D97-AF65-F5344CB8AC3E}">
-        <p14:creationId xmlns:p14="http://schemas.microsoft.com/office/powerpoint/2010/main" val="1764934741"/>
-      </p:ext>
-    </p:extLst>
   </p:cSld>
   <p:clrMapOvr>
     <a:masterClrMapping/>
@@ -2456,7 +2306,6 @@
           <a:p>
             <a:fld id="{D8E15C20-523A-4546-901D-C7C0C6B0E9AC}" type="datetimeFigureOut">
               <a:rPr lang="en-IN" smtClean="0"/>
-              <a:t>13-03-2023</a:t>
             </a:fld>
             <a:endParaRPr lang="en-IN"/>
           </a:p>
@@ -2498,18 +2347,12 @@
           <a:p>
             <a:fld id="{CEDD83F1-02FA-4C4B-B9DF-118727A82FB6}" type="slidenum">
               <a:rPr lang="en-IN" smtClean="0"/>
-              <a:t>‹#›</a:t>
             </a:fld>
             <a:endParaRPr lang="en-IN"/>
           </a:p>
         </p:txBody>
       </p:sp>
     </p:spTree>
-    <p:extLst>
-      <p:ext uri="{BB962C8B-B14F-4D97-AF65-F5344CB8AC3E}">
-        <p14:creationId xmlns:p14="http://schemas.microsoft.com/office/powerpoint/2010/main" val="1598004414"/>
-      </p:ext>
-    </p:extLst>
   </p:cSld>
   <p:clrMapOvr>
     <a:masterClrMapping/>
@@ -2551,7 +2394,6 @@
           <a:p>
             <a:fld id="{D8E15C20-523A-4546-901D-C7C0C6B0E9AC}" type="datetimeFigureOut">
               <a:rPr lang="en-IN" smtClean="0"/>
-              <a:t>13-03-2023</a:t>
             </a:fld>
             <a:endParaRPr lang="en-IN"/>
           </a:p>
@@ -2593,18 +2435,12 @@
           <a:p>
             <a:fld id="{CEDD83F1-02FA-4C4B-B9DF-118727A82FB6}" type="slidenum">
               <a:rPr lang="en-IN" smtClean="0"/>
-              <a:t>‹#›</a:t>
             </a:fld>
             <a:endParaRPr lang="en-IN"/>
           </a:p>
         </p:txBody>
       </p:sp>
     </p:spTree>
-    <p:extLst>
-      <p:ext uri="{BB962C8B-B14F-4D97-AF65-F5344CB8AC3E}">
-        <p14:creationId xmlns:p14="http://schemas.microsoft.com/office/powerpoint/2010/main" val="2415000622"/>
-      </p:ext>
-    </p:extLst>
   </p:cSld>
   <p:clrMapOvr>
     <a:masterClrMapping/>
@@ -2714,6 +2550,7 @@
               <a:rPr lang="en-US"/>
               <a:t>Click to edit Master text styles</a:t>
             </a:r>
+            <a:endParaRPr lang="en-US"/>
           </a:p>
           <a:p>
             <a:pPr lvl="1"/>
@@ -2721,6 +2558,7 @@
               <a:rPr lang="en-US"/>
               <a:t>Second level</a:t>
             </a:r>
+            <a:endParaRPr lang="en-US"/>
           </a:p>
           <a:p>
             <a:pPr lvl="2"/>
@@ -2728,6 +2566,7 @@
               <a:rPr lang="en-US"/>
               <a:t>Third level</a:t>
             </a:r>
+            <a:endParaRPr lang="en-US"/>
           </a:p>
           <a:p>
             <a:pPr lvl="3"/>
@@ -2735,6 +2574,7 @@
               <a:rPr lang="en-US"/>
               <a:t>Fourth level</a:t>
             </a:r>
+            <a:endParaRPr lang="en-US"/>
           </a:p>
           <a:p>
             <a:pPr lvl="4"/>
@@ -2808,6 +2648,7 @@
               <a:rPr lang="en-US"/>
               <a:t>Click to edit Master text styles</a:t>
             </a:r>
+            <a:endParaRPr lang="en-US"/>
           </a:p>
         </p:txBody>
       </p:sp>
@@ -2828,7 +2669,6 @@
           <a:p>
             <a:fld id="{D8E15C20-523A-4546-901D-C7C0C6B0E9AC}" type="datetimeFigureOut">
               <a:rPr lang="en-IN" smtClean="0"/>
-              <a:t>13-03-2023</a:t>
             </a:fld>
             <a:endParaRPr lang="en-IN"/>
           </a:p>
@@ -2870,18 +2710,12 @@
           <a:p>
             <a:fld id="{CEDD83F1-02FA-4C4B-B9DF-118727A82FB6}" type="slidenum">
               <a:rPr lang="en-IN" smtClean="0"/>
-              <a:t>‹#›</a:t>
             </a:fld>
             <a:endParaRPr lang="en-IN"/>
           </a:p>
         </p:txBody>
       </p:sp>
     </p:spTree>
-    <p:extLst>
-      <p:ext uri="{BB962C8B-B14F-4D97-AF65-F5344CB8AC3E}">
-        <p14:creationId xmlns:p14="http://schemas.microsoft.com/office/powerpoint/2010/main" val="4211929475"/>
-      </p:ext>
-    </p:extLst>
   </p:cSld>
   <p:clrMapOvr>
     <a:masterClrMapping/>
@@ -3061,6 +2895,7 @@
               <a:rPr lang="en-US"/>
               <a:t>Click to edit Master text styles</a:t>
             </a:r>
+            <a:endParaRPr lang="en-US"/>
           </a:p>
         </p:txBody>
       </p:sp>
@@ -3081,7 +2916,6 @@
           <a:p>
             <a:fld id="{D8E15C20-523A-4546-901D-C7C0C6B0E9AC}" type="datetimeFigureOut">
               <a:rPr lang="en-IN" smtClean="0"/>
-              <a:t>13-03-2023</a:t>
             </a:fld>
             <a:endParaRPr lang="en-IN"/>
           </a:p>
@@ -3123,18 +2957,12 @@
           <a:p>
             <a:fld id="{CEDD83F1-02FA-4C4B-B9DF-118727A82FB6}" type="slidenum">
               <a:rPr lang="en-IN" smtClean="0"/>
-              <a:t>‹#›</a:t>
             </a:fld>
             <a:endParaRPr lang="en-IN"/>
           </a:p>
         </p:txBody>
       </p:sp>
     </p:spTree>
-    <p:extLst>
-      <p:ext uri="{BB962C8B-B14F-4D97-AF65-F5344CB8AC3E}">
-        <p14:creationId xmlns:p14="http://schemas.microsoft.com/office/powerpoint/2010/main" val="2107238474"/>
-      </p:ext>
-    </p:extLst>
   </p:cSld>
   <p:clrMapOvr>
     <a:masterClrMapping/>
@@ -3146,9 +2974,14 @@
 <p:sldMaster xmlns:a="http://schemas.openxmlformats.org/drawingml/2006/main" xmlns:r="http://schemas.openxmlformats.org/officeDocument/2006/relationships" xmlns:p="http://schemas.openxmlformats.org/presentationml/2006/main">
   <p:cSld>
     <p:bg>
-      <p:bgRef idx="1001">
-        <a:schemeClr val="bg1"/>
-      </p:bgRef>
+      <p:bgPr>
+        <a:solidFill>
+          <a:schemeClr val="accent1">
+            <a:lumMod val="75000"/>
+          </a:schemeClr>
+        </a:solidFill>
+        <a:effectLst/>
+      </p:bgPr>
     </p:bg>
     <p:spTree>
       <p:nvGrpSpPr>
@@ -3227,6 +3060,7 @@
               <a:rPr lang="en-US"/>
               <a:t>Click to edit Master text styles</a:t>
             </a:r>
+            <a:endParaRPr lang="en-US"/>
           </a:p>
           <a:p>
             <a:pPr lvl="1"/>
@@ -3234,6 +3068,7 @@
               <a:rPr lang="en-US"/>
               <a:t>Second level</a:t>
             </a:r>
+            <a:endParaRPr lang="en-US"/>
           </a:p>
           <a:p>
             <a:pPr lvl="2"/>
@@ -3241,6 +3076,7 @@
               <a:rPr lang="en-US"/>
               <a:t>Third level</a:t>
             </a:r>
+            <a:endParaRPr lang="en-US"/>
           </a:p>
           <a:p>
             <a:pPr lvl="3"/>
@@ -3248,6 +3084,7 @@
               <a:rPr lang="en-US"/>
               <a:t>Fourth level</a:t>
             </a:r>
+            <a:endParaRPr lang="en-US"/>
           </a:p>
           <a:p>
             <a:pPr lvl="4"/>
@@ -3294,7 +3131,6 @@
           <a:p>
             <a:fld id="{D8E15C20-523A-4546-901D-C7C0C6B0E9AC}" type="datetimeFigureOut">
               <a:rPr lang="en-IN" smtClean="0"/>
-              <a:t>13-03-2023</a:t>
             </a:fld>
             <a:endParaRPr lang="en-IN"/>
           </a:p>
@@ -3372,18 +3208,12 @@
           <a:p>
             <a:fld id="{CEDD83F1-02FA-4C4B-B9DF-118727A82FB6}" type="slidenum">
               <a:rPr lang="en-IN" smtClean="0"/>
-              <a:t>‹#›</a:t>
             </a:fld>
             <a:endParaRPr lang="en-IN"/>
           </a:p>
         </p:txBody>
       </p:sp>
     </p:spTree>
-    <p:extLst>
-      <p:ext uri="{BB962C8B-B14F-4D97-AF65-F5344CB8AC3E}">
-        <p14:creationId xmlns:p14="http://schemas.microsoft.com/office/powerpoint/2010/main" val="3727452722"/>
-      </p:ext>
-    </p:extLst>
   </p:cSld>
   <p:clrMap bg1="lt1" tx1="dk1" bg2="lt2" tx2="dk2" accent1="accent1" accent2="accent2" accent3="accent3" accent4="accent4" accent5="accent5" accent6="accent6" hlink="hlink" folHlink="folHlink"/>
   <p:sldLayoutIdLst>
@@ -3759,6 +3589,7 @@
               <a:rPr lang="en-IN" dirty="0"/>
               <a:t> (Revised 2017 Pattern)</a:t>
             </a:r>
+            <a:endParaRPr lang="en-IN" dirty="0"/>
           </a:p>
           <a:p>
             <a:pPr algn="ctr"/>
@@ -3774,6 +3605,7 @@
               <a:rPr lang="en-IN" dirty="0"/>
               <a:t>Subject code-4604			Semester - VI                                 Credit – 4</a:t>
             </a:r>
+            <a:endParaRPr lang="en-IN" dirty="0"/>
           </a:p>
           <a:p>
             <a:pPr algn="ctr"/>
@@ -3789,6 +3621,7 @@
               <a:rPr lang="en-US" dirty="0"/>
               <a:t>By</a:t>
             </a:r>
+            <a:endParaRPr lang="en-US" dirty="0"/>
           </a:p>
           <a:p>
             <a:pPr marL="3657600" lvl="8" indent="0" algn="ctr">
@@ -3807,11 +3640,6 @@
         </p:txBody>
       </p:sp>
     </p:spTree>
-    <p:extLst>
-      <p:ext uri="{BB962C8B-B14F-4D97-AF65-F5344CB8AC3E}">
-        <p14:creationId xmlns:p14="http://schemas.microsoft.com/office/powerpoint/2010/main" val="2776246861"/>
-      </p:ext>
-    </p:extLst>
   </p:cSld>
   <p:clrMapOvr>
     <a:masterClrMapping/>
@@ -3887,6 +3715,11 @@
               </a:rPr>
               <a:t>It also works as a device manager and performs valuable functions for the processes which require access to the peripheral devices connected to the computer. The kernel controls these devices through device drivers.</a:t>
             </a:r>
+            <a:endParaRPr lang="en-US" dirty="0">
+              <a:highlight>
+                <a:srgbClr val="FFFF00"/>
+              </a:highlight>
+            </a:endParaRPr>
           </a:p>
           <a:p>
             <a:r>
@@ -3897,6 +3730,11 @@
               </a:rPr>
               <a:t>The kernel also manages the memory. Processes are executed programs that have owner's humans or systems who initiate their execution.</a:t>
             </a:r>
+            <a:endParaRPr lang="en-US" dirty="0">
+              <a:highlight>
+                <a:srgbClr val="FFFF00"/>
+              </a:highlight>
+            </a:endParaRPr>
           </a:p>
           <a:p>
             <a:r>
@@ -3907,6 +3745,11 @@
               </a:rPr>
               <a:t>The system must provide all processes with access to an adequate amount of memory, and a few processes require a lot of it. </a:t>
             </a:r>
+            <a:endParaRPr lang="en-US" dirty="0">
+              <a:highlight>
+                <a:srgbClr val="FFFF00"/>
+              </a:highlight>
+            </a:endParaRPr>
           </a:p>
           <a:p>
             <a:r>
@@ -3917,6 +3760,11 @@
               </a:rPr>
               <a:t>To make effective use of main memory and to allocate a sufficient amount of memory to every process. </a:t>
             </a:r>
+            <a:endParaRPr lang="en-US" dirty="0">
+              <a:highlight>
+                <a:srgbClr val="FFFF00"/>
+              </a:highlight>
+            </a:endParaRPr>
           </a:p>
           <a:p>
             <a:r>
@@ -3927,6 +3775,11 @@
               </a:rPr>
               <a:t>It uses essential techniques like paging, swapping, and virtual storage.</a:t>
             </a:r>
+            <a:endParaRPr lang="en-US" dirty="0">
+              <a:highlight>
+                <a:srgbClr val="FFFF00"/>
+              </a:highlight>
+            </a:endParaRPr>
           </a:p>
           <a:p>
             <a:pPr marL="0" indent="0">
@@ -3940,11 +3793,6 @@
         </p:txBody>
       </p:sp>
     </p:spTree>
-    <p:extLst>
-      <p:ext uri="{BB962C8B-B14F-4D97-AF65-F5344CB8AC3E}">
-        <p14:creationId xmlns:p14="http://schemas.microsoft.com/office/powerpoint/2010/main" val="3245110854"/>
-      </p:ext>
-    </p:extLst>
   </p:cSld>
   <p:clrMapOvr>
     <a:masterClrMapping/>
@@ -4020,6 +3868,11 @@
               </a:rPr>
               <a:t>Layer-3: The Shell -</a:t>
             </a:r>
+            <a:endParaRPr lang="en-US" dirty="0">
+              <a:highlight>
+                <a:srgbClr val="FFFF00"/>
+              </a:highlight>
+            </a:endParaRPr>
           </a:p>
           <a:p>
             <a:r>
@@ -4030,6 +3883,11 @@
               </a:rPr>
               <a:t>The Shell is an interpreter that interprets the command submitted by the user at the terminal, and calls the program you simply want.</a:t>
             </a:r>
+            <a:endParaRPr lang="en-US" dirty="0">
+              <a:highlight>
+                <a:srgbClr val="FFFF00"/>
+              </a:highlight>
+            </a:endParaRPr>
           </a:p>
           <a:p>
             <a:r>
@@ -4072,6 +3930,11 @@
               </a:rPr>
               <a:t>, and many more.</a:t>
             </a:r>
+            <a:endParaRPr lang="en-US" dirty="0">
+              <a:highlight>
+                <a:srgbClr val="FFFF00"/>
+              </a:highlight>
+            </a:endParaRPr>
           </a:p>
           <a:p>
             <a:r>
@@ -4082,6 +3945,11 @@
               </a:rPr>
               <a:t>Layer-4: Application Programs Layer -</a:t>
             </a:r>
+            <a:endParaRPr lang="en-US" dirty="0">
+              <a:highlight>
+                <a:srgbClr val="FFFF00"/>
+              </a:highlight>
+            </a:endParaRPr>
           </a:p>
           <a:p>
             <a:r>
@@ -4092,6 +3960,11 @@
               </a:rPr>
               <a:t>It is the outermost layer that executes the given external applications. UNIX distributions typically come with several useful applications programs as standard. </a:t>
             </a:r>
+            <a:endParaRPr lang="en-US" dirty="0">
+              <a:highlight>
+                <a:srgbClr val="FFFF00"/>
+              </a:highlight>
+            </a:endParaRPr>
           </a:p>
           <a:p>
             <a:r>
@@ -4142,6 +4015,11 @@
               </a:rPr>
               <a:t>, xv image viewer, g++ compiler etc.</a:t>
             </a:r>
+            <a:endParaRPr lang="en-US" dirty="0">
+              <a:highlight>
+                <a:srgbClr val="FFFF00"/>
+              </a:highlight>
+            </a:endParaRPr>
           </a:p>
           <a:p>
             <a:br>
@@ -4158,11 +4036,6 @@
         </p:txBody>
       </p:sp>
     </p:spTree>
-    <p:extLst>
-      <p:ext uri="{BB962C8B-B14F-4D97-AF65-F5344CB8AC3E}">
-        <p14:creationId xmlns:p14="http://schemas.microsoft.com/office/powerpoint/2010/main" val="1852486534"/>
-      </p:ext>
-    </p:extLst>
   </p:cSld>
   <p:clrMapOvr>
     <a:masterClrMapping/>
@@ -4259,7 +4132,7 @@
           <p:nvPr/>
         </p:nvPicPr>
         <p:blipFill>
-          <a:blip r:embed="rId3">
+          <a:blip r:embed="rId1">
             <a:extLst>
               <a:ext uri="{28A0092B-C50C-407E-A947-70E740481C1C}">
                 <a14:useLocalDpi xmlns:a14="http://schemas.microsoft.com/office/drawing/2010/main" val="0"/>
@@ -4292,20 +4165,10 @@
         </p:spPr>
       </p:pic>
     </p:spTree>
-    <p:extLst>
-      <p:ext uri="{BB962C8B-B14F-4D97-AF65-F5344CB8AC3E}">
-        <p14:creationId xmlns:p14="http://schemas.microsoft.com/office/powerpoint/2010/main" val="1686142434"/>
-      </p:ext>
-    </p:extLst>
   </p:cSld>
   <p:clrMapOvr>
     <a:masterClrMapping/>
   </p:clrMapOvr>
-  <p:extLst>
-    <p:ext uri="{6950BFC3-D8DA-4A85-94F7-54DA5524770B}">
-      <p188:commentRel xmlns:p188="http://schemas.microsoft.com/office/powerpoint/2018/8/main" r:id="rId2"/>
-    </p:ext>
-  </p:extLst>
 </p:sld>
 </file>
 
@@ -4390,48 +4253,56 @@
               <a:rPr lang="en-US" dirty="0"/>
               <a:t> file system are</a:t>
             </a:r>
+            <a:endParaRPr lang="en-US" dirty="0"/>
           </a:p>
           <a:p>
             <a:r>
               <a:rPr lang="en-US" dirty="0"/>
               <a:t>A hierarchal structure.</a:t>
             </a:r>
+            <a:endParaRPr lang="en-US" dirty="0"/>
           </a:p>
           <a:p>
             <a:r>
               <a:rPr lang="en-US" dirty="0"/>
               <a:t>Consistent treatment of data</a:t>
             </a:r>
+            <a:endParaRPr lang="en-US" dirty="0"/>
           </a:p>
           <a:p>
             <a:r>
               <a:rPr lang="en-US" dirty="0"/>
               <a:t>Ability to create and delete files</a:t>
             </a:r>
+            <a:endParaRPr lang="en-US" dirty="0"/>
           </a:p>
           <a:p>
             <a:r>
               <a:rPr lang="en-US" dirty="0"/>
               <a:t>Dynamic growth of files</a:t>
             </a:r>
+            <a:endParaRPr lang="en-US" dirty="0"/>
           </a:p>
           <a:p>
             <a:r>
               <a:rPr lang="en-US" dirty="0"/>
               <a:t>Peripheral devices are also treated as files</a:t>
             </a:r>
+            <a:endParaRPr lang="en-US" dirty="0"/>
           </a:p>
           <a:p>
             <a:r>
               <a:rPr lang="en-US" dirty="0"/>
               <a:t>The file system is organized as a tree. The root node is called “root” and is denoted by “/”. Every non leaf node in this structure is a directory and every leaf node is a file/special device file.</a:t>
             </a:r>
+            <a:endParaRPr lang="en-US" dirty="0"/>
           </a:p>
           <a:p>
             <a:r>
               <a:rPr lang="en-US" dirty="0"/>
               <a:t>The name of the file is given by the path name.</a:t>
             </a:r>
+            <a:endParaRPr lang="en-US" dirty="0"/>
           </a:p>
           <a:p>
             <a:endParaRPr lang="en-US" b="1" dirty="0"/>
@@ -4445,11 +4316,6 @@
         </p:txBody>
       </p:sp>
     </p:spTree>
-    <p:extLst>
-      <p:ext uri="{BB962C8B-B14F-4D97-AF65-F5344CB8AC3E}">
-        <p14:creationId xmlns:p14="http://schemas.microsoft.com/office/powerpoint/2010/main" val="3880828506"/>
-      </p:ext>
-    </p:extLst>
   </p:cSld>
   <p:clrMapOvr>
     <a:masterClrMapping/>
@@ -4640,6 +4506,7 @@
               <a:rPr lang="en-US" sz="1600" dirty="0"/>
               <a:t>Permission to any file is governed by the file access permissions. Access permissions are set independently for read, write and execute. These permissions are set independently for the file owner, file group and everyone else. Access permission looks like</a:t>
             </a:r>
+            <a:endParaRPr lang="en-US" sz="1600" dirty="0"/>
           </a:p>
           <a:p>
             <a:pPr>
@@ -4684,6 +4551,7 @@
               <a:rPr lang="en-US" sz="1600" dirty="0"/>
               <a:t>.</a:t>
             </a:r>
+            <a:endParaRPr lang="en-US" sz="1600" dirty="0"/>
           </a:p>
           <a:p>
             <a:pPr>
@@ -4721,11 +4589,6 @@
         </p:txBody>
       </p:sp>
     </p:spTree>
-    <p:extLst>
-      <p:ext uri="{BB962C8B-B14F-4D97-AF65-F5344CB8AC3E}">
-        <p14:creationId xmlns:p14="http://schemas.microsoft.com/office/powerpoint/2010/main" val="3093777390"/>
-      </p:ext>
-    </p:extLst>
   </p:cSld>
   <p:clrMapOvr>
     <a:masterClrMapping/>
@@ -4818,6 +4681,7 @@
               <a:rPr lang="en-US" b="1" dirty="0"/>
               <a:t>      </a:t>
             </a:r>
+            <a:endParaRPr lang="en-US" b="1" dirty="0"/>
           </a:p>
           <a:p>
             <a:pPr marL="0" indent="0">
@@ -4827,6 +4691,7 @@
               <a:rPr lang="en-US" b="1" dirty="0"/>
               <a:t> </a:t>
             </a:r>
+            <a:endParaRPr lang="en-US" b="1" dirty="0"/>
           </a:p>
           <a:p>
             <a:endParaRPr lang="en-US" b="1" dirty="0"/>
@@ -4845,7 +4710,7 @@
           <p:nvPr/>
         </p:nvPicPr>
         <p:blipFill>
-          <a:blip r:embed="rId2">
+          <a:blip r:embed="rId1">
             <a:extLst>
               <a:ext uri="{28A0092B-C50C-407E-A947-70E740481C1C}">
                 <a14:useLocalDpi xmlns:a14="http://schemas.microsoft.com/office/drawing/2010/main" val="0"/>
@@ -4878,11 +4743,6 @@
         </p:spPr>
       </p:pic>
     </p:spTree>
-    <p:extLst>
-      <p:ext uri="{BB962C8B-B14F-4D97-AF65-F5344CB8AC3E}">
-        <p14:creationId xmlns:p14="http://schemas.microsoft.com/office/powerpoint/2010/main" val="1606705515"/>
-      </p:ext>
-    </p:extLst>
   </p:cSld>
   <p:clrMapOvr>
     <a:masterClrMapping/>
@@ -4982,12 +4842,14 @@
               <a:rPr lang="en-US" dirty="0"/>
               <a:t>. (Multiprogramming or multitasking). </a:t>
             </a:r>
+            <a:endParaRPr lang="en-US" dirty="0"/>
           </a:p>
           <a:p>
             <a:r>
               <a:rPr lang="en-US" dirty="0"/>
               <a:t>Also many instances of one program can run simultaneously. Each instance of this program is one process. Various system calls allows control of the state of the process. The state of a process indicates its status at a particular time. The process state could by any one of the above.</a:t>
             </a:r>
+            <a:endParaRPr lang="en-US" dirty="0"/>
           </a:p>
           <a:p>
             <a:br>
@@ -4998,11 +4860,6 @@
         </p:txBody>
       </p:sp>
     </p:spTree>
-    <p:extLst>
-      <p:ext uri="{BB962C8B-B14F-4D97-AF65-F5344CB8AC3E}">
-        <p14:creationId xmlns:p14="http://schemas.microsoft.com/office/powerpoint/2010/main" val="3319965554"/>
-      </p:ext>
-    </p:extLst>
   </p:cSld>
   <p:clrMapOvr>
     <a:masterClrMapping/>
@@ -5101,30 +4958,35 @@
               <a:rPr lang="en-US" dirty="0"/>
               <a:t>Unix shell allows three types of commands.</a:t>
             </a:r>
+            <a:endParaRPr lang="en-US" dirty="0"/>
           </a:p>
           <a:p>
             <a:r>
               <a:rPr lang="en-US" dirty="0"/>
               <a:t>An executable file created by compilation of our source code.</a:t>
             </a:r>
+            <a:endParaRPr lang="en-US" dirty="0"/>
           </a:p>
           <a:p>
             <a:r>
               <a:rPr lang="en-US" dirty="0"/>
               <a:t>An executable command that contains a sequence of shell commands.</a:t>
             </a:r>
+            <a:endParaRPr lang="en-US" dirty="0"/>
           </a:p>
           <a:p>
             <a:r>
               <a:rPr lang="en-US" dirty="0"/>
               <a:t>An internal shell command.</a:t>
             </a:r>
+            <a:endParaRPr lang="en-US" dirty="0"/>
           </a:p>
           <a:p>
             <a:r>
               <a:rPr lang="en-US" dirty="0"/>
               <a:t>The shell, usually, run the commands synchronously. However these commands can also be run asynchronously.</a:t>
             </a:r>
+            <a:endParaRPr lang="en-US" dirty="0"/>
           </a:p>
           <a:p>
             <a:br>
@@ -5135,11 +4997,6 @@
         </p:txBody>
       </p:sp>
     </p:spTree>
-    <p:extLst>
-      <p:ext uri="{BB962C8B-B14F-4D97-AF65-F5344CB8AC3E}">
-        <p14:creationId xmlns:p14="http://schemas.microsoft.com/office/powerpoint/2010/main" val="1594620564"/>
-      </p:ext>
-    </p:extLst>
   </p:cSld>
   <p:clrMapOvr>
     <a:masterClrMapping/>
@@ -5238,24 +5095,28 @@
               <a:rPr lang="en-US" sz="7200" dirty="0"/>
               <a:t>Unix has three standard files:</a:t>
             </a:r>
+            <a:endParaRPr lang="en-US" sz="7200" dirty="0"/>
           </a:p>
           <a:p>
             <a:r>
               <a:rPr lang="en-US" sz="7200" dirty="0"/>
               <a:t>Standard input file</a:t>
             </a:r>
+            <a:endParaRPr lang="en-US" sz="7200" dirty="0"/>
           </a:p>
           <a:p>
             <a:r>
               <a:rPr lang="en-US" sz="7200" dirty="0"/>
               <a:t>Standard output file</a:t>
             </a:r>
+            <a:endParaRPr lang="en-US" sz="7200" dirty="0"/>
           </a:p>
           <a:p>
             <a:r>
               <a:rPr lang="en-US" sz="7200" dirty="0"/>
               <a:t>Standard error file</a:t>
             </a:r>
+            <a:endParaRPr lang="en-US" sz="7200" dirty="0"/>
           </a:p>
           <a:p>
             <a:r>
@@ -5334,6 +5195,7 @@
               <a:rPr lang="en-US" sz="7200" dirty="0"/>
               <a:t> | more</a:t>
             </a:r>
+            <a:endParaRPr lang="en-US" sz="7200" dirty="0"/>
           </a:p>
           <a:p>
             <a:endParaRPr lang="en-US" b="1" dirty="0"/>
@@ -5341,11 +5203,6 @@
         </p:txBody>
       </p:sp>
     </p:spTree>
-    <p:extLst>
-      <p:ext uri="{BB962C8B-B14F-4D97-AF65-F5344CB8AC3E}">
-        <p14:creationId xmlns:p14="http://schemas.microsoft.com/office/powerpoint/2010/main" val="3572432497"/>
-      </p:ext>
-    </p:extLst>
   </p:cSld>
   <p:clrMapOvr>
     <a:masterClrMapping/>
@@ -5429,12 +5286,14 @@
               <a:rPr lang="en-US" dirty="0"/>
               <a:t>The kernel layer provides various operations on behalf of user processes. Some of the main services provided by the operating systems kernel are:</a:t>
             </a:r>
+            <a:endParaRPr lang="en-US" dirty="0"/>
           </a:p>
           <a:p>
             <a:r>
               <a:rPr lang="en-US" dirty="0"/>
               <a:t>Process control: controlling the creating, termination and suspension of processes.</a:t>
             </a:r>
+            <a:endParaRPr lang="en-US" dirty="0"/>
           </a:p>
           <a:p>
             <a:r>
@@ -5449,30 +5308,35 @@
               <a:rPr lang="en-US" dirty="0"/>
               <a:t> the process scheduling is also done by the kernel.</a:t>
             </a:r>
+            <a:endParaRPr lang="en-US" dirty="0"/>
           </a:p>
           <a:p>
             <a:r>
               <a:rPr lang="en-US" dirty="0"/>
               <a:t>Main memory management: allocating main memory to the user programs and protecting the memory region where kernel is running. Also, protecting the memory region of one process from another process.</a:t>
             </a:r>
+            <a:endParaRPr lang="en-US" dirty="0"/>
           </a:p>
           <a:p>
             <a:r>
               <a:rPr lang="en-US" dirty="0"/>
               <a:t>Virtual memory: managing the swap device and handling the swapping system. Controlling the pages in the paging system(memory allocation)</a:t>
             </a:r>
+            <a:endParaRPr lang="en-US" dirty="0"/>
           </a:p>
           <a:p>
             <a:r>
               <a:rPr lang="en-US" dirty="0"/>
               <a:t>Secondary memory management: Managing the secondary storage for the efficient and timely retrieval and storage of data.</a:t>
             </a:r>
+            <a:endParaRPr lang="en-US" dirty="0"/>
           </a:p>
           <a:p>
             <a:r>
               <a:rPr lang="en-US" dirty="0"/>
               <a:t>Peripheral devices: kernel controls the peripheral devices such as terminals, disk drives and network devices.</a:t>
             </a:r>
+            <a:endParaRPr lang="en-US" dirty="0"/>
           </a:p>
           <a:p>
             <a:endParaRPr lang="en-US" b="1" dirty="0"/>
@@ -5480,11 +5344,6 @@
         </p:txBody>
       </p:sp>
     </p:spTree>
-    <p:extLst>
-      <p:ext uri="{BB962C8B-B14F-4D97-AF65-F5344CB8AC3E}">
-        <p14:creationId xmlns:p14="http://schemas.microsoft.com/office/powerpoint/2010/main" val="542910460"/>
-      </p:ext>
-    </p:extLst>
   </p:cSld>
   <p:clrMapOvr>
     <a:masterClrMapping/>
@@ -5594,6 +5453,10 @@
               </a:rPr>
               <a:t>Assumptions about Hardware</a:t>
             </a:r>
+            <a:endParaRPr lang="en-IN" sz="4000" dirty="0">
+              <a:latin typeface="Times New Roman" panose="02020603050405020304" pitchFamily="18" charset="0"/>
+              <a:cs typeface="Times New Roman" panose="02020603050405020304" pitchFamily="18" charset="0"/>
+            </a:endParaRPr>
           </a:p>
         </p:txBody>
       </p:sp>
@@ -5644,11 +5507,6 @@
         </p:txBody>
       </p:sp>
     </p:spTree>
-    <p:extLst>
-      <p:ext uri="{BB962C8B-B14F-4D97-AF65-F5344CB8AC3E}">
-        <p14:creationId xmlns:p14="http://schemas.microsoft.com/office/powerpoint/2010/main" val="2501067983"/>
-      </p:ext>
-    </p:extLst>
   </p:cSld>
   <p:clrMapOvr>
     <a:masterClrMapping/>
@@ -5740,18 +5598,21 @@
               <a:rPr lang="en-US" dirty="0"/>
               <a:t> it executes on two levels or we can say it executes in two modes.</a:t>
             </a:r>
+            <a:endParaRPr lang="en-US" dirty="0"/>
           </a:p>
           <a:p>
             <a:r>
               <a:rPr lang="en-US" dirty="0"/>
               <a:t>User level</a:t>
             </a:r>
+            <a:endParaRPr lang="en-US" dirty="0"/>
           </a:p>
           <a:p>
             <a:r>
               <a:rPr lang="en-US" dirty="0"/>
               <a:t>Kernel level</a:t>
             </a:r>
+            <a:endParaRPr lang="en-US" dirty="0"/>
           </a:p>
           <a:p>
             <a:r>
@@ -5768,6 +5629,7 @@
               <a:rPr lang="en-US" dirty="0"/>
               <a:t>The system calls can only be executed in the kernel mode. If a user process running in user mode make a system calls the process shifts from user mode to kernel mode and then the kernel services the request and the system comes back to the user mode after the request is serviced.</a:t>
             </a:r>
+            <a:endParaRPr lang="en-US" dirty="0"/>
           </a:p>
           <a:p>
             <a:endParaRPr lang="en-US" b="1" dirty="0"/>
@@ -5775,11 +5637,6 @@
         </p:txBody>
       </p:sp>
     </p:spTree>
-    <p:extLst>
-      <p:ext uri="{BB962C8B-B14F-4D97-AF65-F5344CB8AC3E}">
-        <p14:creationId xmlns:p14="http://schemas.microsoft.com/office/powerpoint/2010/main" val="1063082753"/>
-      </p:ext>
-    </p:extLst>
   </p:cSld>
   <p:clrMapOvr>
     <a:masterClrMapping/>
@@ -5851,12 +5708,14 @@
               <a:rPr lang="en-US" b="1" dirty="0"/>
               <a:t>Benefits of Unix</a:t>
             </a:r>
+            <a:endParaRPr lang="en-US" b="1" dirty="0"/>
           </a:p>
           <a:p>
             <a:r>
               <a:rPr lang="en-US" dirty="0"/>
               <a:t>The system is written in high level language “C” which makes it easier to read understand and update. It off-course is little slower in comparison to what written in assembly language but the advantages are far greater and possibilities are endless.</a:t>
             </a:r>
+            <a:endParaRPr lang="en-US" dirty="0"/>
           </a:p>
           <a:p>
             <a:r>
@@ -5871,39 +5730,39 @@
               <a:rPr lang="en-US" dirty="0"/>
               <a:t> systems.</a:t>
             </a:r>
+            <a:endParaRPr lang="en-US" dirty="0"/>
           </a:p>
           <a:p>
             <a:r>
               <a:rPr lang="en-US" dirty="0"/>
               <a:t>It has hierarchal file system which allows easy maintenance and efficient implementation.</a:t>
             </a:r>
+            <a:endParaRPr lang="en-US" dirty="0"/>
           </a:p>
           <a:p>
             <a:r>
               <a:rPr lang="en-US" dirty="0"/>
               <a:t>It has consistent format for files. The files are stored as byte streams which makes it easier for the programs to use files.</a:t>
             </a:r>
+            <a:endParaRPr lang="en-US" dirty="0"/>
           </a:p>
           <a:p>
             <a:r>
               <a:rPr lang="en-US" dirty="0"/>
               <a:t>It provides simple and consistent interface to the peripheral devices.</a:t>
             </a:r>
+            <a:endParaRPr lang="en-US" dirty="0"/>
           </a:p>
           <a:p>
             <a:r>
               <a:rPr lang="en-US" dirty="0"/>
               <a:t>It completely hides the machine architecture from the user which makes it easier for the programmers to write programs independent of hardware.</a:t>
             </a:r>
+            <a:endParaRPr lang="en-US" dirty="0"/>
           </a:p>
         </p:txBody>
       </p:sp>
     </p:spTree>
-    <p:extLst>
-      <p:ext uri="{BB962C8B-B14F-4D97-AF65-F5344CB8AC3E}">
-        <p14:creationId xmlns:p14="http://schemas.microsoft.com/office/powerpoint/2010/main" val="1886643847"/>
-      </p:ext>
-    </p:extLst>
   </p:cSld>
   <p:clrMapOvr>
     <a:masterClrMapping/>
@@ -5947,6 +5806,7 @@
               <a:rPr lang="en-US" dirty="0"/>
               <a:t>What is an Operating System?</a:t>
             </a:r>
+            <a:endParaRPr lang="en-US" dirty="0"/>
           </a:p>
         </p:txBody>
       </p:sp>
@@ -5975,6 +5835,7 @@
               <a:rPr lang="en-US" sz="2400" dirty="0"/>
               <a:t> </a:t>
             </a:r>
+            <a:endParaRPr lang="en-US" sz="2400" dirty="0"/>
           </a:p>
           <a:p>
             <a:pPr marL="0" indent="0">
@@ -5996,7 +5857,7 @@
           <p:nvPr/>
         </p:nvPicPr>
         <p:blipFill>
-          <a:blip r:embed="rId4">
+          <a:blip r:embed="rId1">
             <a:extLst>
               <a:ext uri="{28A0092B-C50C-407E-A947-70E740481C1C}">
                 <a14:useLocalDpi xmlns:a14="http://schemas.microsoft.com/office/drawing/2010/main" val="0"/>
@@ -6062,6 +5923,16 @@
               </a:rPr>
               <a:t>Definition</a:t>
             </a:r>
+            <a:endParaRPr lang="en-US" b="0" i="0" dirty="0">
+              <a:solidFill>
+                <a:srgbClr val="000000"/>
+              </a:solidFill>
+              <a:effectLst/>
+              <a:highlight>
+                <a:srgbClr val="FFFF00"/>
+              </a:highlight>
+              <a:latin typeface="Heebo"/>
+            </a:endParaRPr>
           </a:p>
           <a:p>
             <a:pPr algn="just"/>
@@ -6078,6 +5949,16 @@
               </a:rPr>
               <a:t>An operating system is a program that acts as an interface between the user and the computer hardware and controls the execution of all kinds of programs.</a:t>
             </a:r>
+            <a:endParaRPr lang="en-US" b="0" i="0" dirty="0">
+              <a:solidFill>
+                <a:srgbClr val="000000"/>
+              </a:solidFill>
+              <a:effectLst/>
+              <a:highlight>
+                <a:srgbClr val="FFFF00"/>
+              </a:highlight>
+              <a:latin typeface="Nunito"/>
+            </a:endParaRPr>
           </a:p>
           <a:p>
             <a:br>
@@ -6088,21 +5969,11 @@
         </p:txBody>
       </p:sp>
     </p:spTree>
-    <p:extLst>
-      <p:ext uri="{BB962C8B-B14F-4D97-AF65-F5344CB8AC3E}">
-        <p14:creationId xmlns:p14="http://schemas.microsoft.com/office/powerpoint/2010/main" val="2231725332"/>
-      </p:ext>
-    </p:extLst>
   </p:cSld>
   <p:clrMapOvr>
     <a:masterClrMapping/>
   </p:clrMapOvr>
   <p:transition/>
-  <p:extLst>
-    <p:ext uri="{6950BFC3-D8DA-4A85-94F7-54DA5524770B}">
-      <p188:commentRel xmlns:p188="http://schemas.microsoft.com/office/powerpoint/2018/8/main" r:id="rId3"/>
-    </p:ext>
-  </p:extLst>
 </p:sld>
 </file>
 
@@ -6142,6 +6013,7 @@
               <a:rPr lang="en-US" dirty="0"/>
               <a:t>What is an Operating System?</a:t>
             </a:r>
+            <a:endParaRPr lang="en-US" dirty="0"/>
           </a:p>
         </p:txBody>
       </p:sp>
@@ -6173,6 +6045,11 @@
               </a:rPr>
               <a:t>The operating system (OS) is the program which starts up when you turn on your computer and runs underneath all other programs - without it nothing would happen at all.</a:t>
             </a:r>
+            <a:endParaRPr lang="en-US" sz="2400" dirty="0">
+              <a:highlight>
+                <a:srgbClr val="FFFF00"/>
+              </a:highlight>
+            </a:endParaRPr>
           </a:p>
           <a:p>
             <a:pPr>
@@ -6204,6 +6081,11 @@
               </a:rPr>
               <a:t>. It manages all the available resources on a computer, from the CPU, to memory, to hard disk accesses.</a:t>
             </a:r>
+            <a:endParaRPr lang="en-US" sz="2400" dirty="0">
+              <a:highlight>
+                <a:srgbClr val="FFFF00"/>
+              </a:highlight>
+            </a:endParaRPr>
           </a:p>
           <a:p>
             <a:pPr>
@@ -6219,6 +6101,11 @@
               </a:rPr>
               <a:t>Tasks the operating system must perform:</a:t>
             </a:r>
+            <a:endParaRPr lang="en-US" sz="2400" dirty="0">
+              <a:highlight>
+                <a:srgbClr val="FFFF00"/>
+              </a:highlight>
+            </a:endParaRPr>
           </a:p>
           <a:p>
             <a:pPr lvl="1">
@@ -6242,6 +6129,11 @@
               </a:rPr>
               <a:t> - The operating system controls all the parts of the computer and attempts to get everything working together. </a:t>
             </a:r>
+            <a:endParaRPr lang="en-US" sz="2000" dirty="0">
+              <a:highlight>
+                <a:srgbClr val="FFFF00"/>
+              </a:highlight>
+            </a:endParaRPr>
           </a:p>
           <a:p>
             <a:pPr lvl="1">
@@ -6265,6 +6157,11 @@
               </a:rPr>
               <a:t> - Another job the OS does is run application software. This would include word processors, web browsers, games, etc... </a:t>
             </a:r>
+            <a:endParaRPr lang="en-US" sz="2000" dirty="0">
+              <a:highlight>
+                <a:srgbClr val="FFFF00"/>
+              </a:highlight>
+            </a:endParaRPr>
           </a:p>
           <a:p>
             <a:pPr lvl="1">
@@ -6288,6 +6185,11 @@
               </a:rPr>
               <a:t> - The OS makes it easy for you to organize your computer. Through the OS you are able to do a number of things to data, including copy, move, delete, and rename it. This makes it much easier to find and organize what you have. </a:t>
             </a:r>
+            <a:endParaRPr lang="en-US" sz="2000" dirty="0">
+              <a:highlight>
+                <a:srgbClr val="FFFF00"/>
+              </a:highlight>
+            </a:endParaRPr>
           </a:p>
           <a:p>
             <a:pPr>
@@ -6300,11 +6202,6 @@
         </p:txBody>
       </p:sp>
     </p:spTree>
-    <p:extLst>
-      <p:ext uri="{BB962C8B-B14F-4D97-AF65-F5344CB8AC3E}">
-        <p14:creationId xmlns:p14="http://schemas.microsoft.com/office/powerpoint/2010/main" val="3079616239"/>
-      </p:ext>
-    </p:extLst>
   </p:cSld>
   <p:clrMapOvr>
     <a:masterClrMapping/>
@@ -6349,6 +6246,7 @@
               <a:rPr lang="en-US" dirty="0"/>
               <a:t>UNIX History</a:t>
             </a:r>
+            <a:endParaRPr lang="en-US" dirty="0"/>
           </a:p>
         </p:txBody>
       </p:sp>
@@ -6376,6 +6274,7 @@
               <a:rPr lang="en-US" sz="2400" dirty="0"/>
               <a:t>The UNIX operating system was born in the late 1960s. It originally began as a one man project led by Ken Thompson of Bell Labs, and has since grown to become the most widely used operating system.</a:t>
             </a:r>
+            <a:endParaRPr lang="en-US" sz="2400" dirty="0"/>
           </a:p>
           <a:p>
             <a:pPr>
@@ -6395,6 +6294,7 @@
               <a:rPr lang="en-US" sz="2400" dirty="0"/>
               <a:t> different generations and even mutations.</a:t>
             </a:r>
+            <a:endParaRPr lang="en-US" sz="2400" dirty="0"/>
           </a:p>
           <a:p>
             <a:pPr lvl="1">
@@ -6406,6 +6306,7 @@
               <a:rPr lang="en-US" sz="2000" dirty="0"/>
               <a:t>Some differ substantially from the original version, like Berkeley Software Distribution (BSD) or Linux.</a:t>
             </a:r>
+            <a:endParaRPr lang="en-US" sz="2000" dirty="0"/>
           </a:p>
           <a:p>
             <a:pPr lvl="1">
@@ -6417,6 +6318,7 @@
               <a:rPr lang="en-US" sz="2000" dirty="0"/>
               <a:t>Others, still contain major portions that are based on the original source code.</a:t>
             </a:r>
+            <a:endParaRPr lang="en-US" sz="2000" dirty="0"/>
           </a:p>
           <a:p>
             <a:pPr>
@@ -6428,6 +6330,7 @@
               <a:rPr lang="en-US" sz="2400" dirty="0"/>
               <a:t>An interesting and rather up-to-date timeline of these variations of UNIX can be found at </a:t>
             </a:r>
+            <a:endParaRPr lang="en-US" sz="2400" dirty="0"/>
           </a:p>
           <a:p>
             <a:pPr>
@@ -6437,7 +6340,7 @@
             </a:pPr>
             <a:r>
               <a:rPr lang="en-US" sz="2400" dirty="0">
-                <a:hlinkClick r:id="rId4"/>
+                <a:hlinkClick r:id="rId1"/>
               </a:rPr>
               <a:t>http://www.levenez.com/unix/history.html</a:t>
             </a:r>
@@ -6445,25 +6348,16 @@
               <a:rPr lang="en-US" sz="2400" dirty="0"/>
               <a:t>.</a:t>
             </a:r>
+            <a:endParaRPr lang="en-US" sz="2400" dirty="0"/>
           </a:p>
         </p:txBody>
       </p:sp>
     </p:spTree>
-    <p:extLst>
-      <p:ext uri="{BB962C8B-B14F-4D97-AF65-F5344CB8AC3E}">
-        <p14:creationId xmlns:p14="http://schemas.microsoft.com/office/powerpoint/2010/main" val="285460180"/>
-      </p:ext>
-    </p:extLst>
   </p:cSld>
   <p:clrMapOvr>
     <a:masterClrMapping/>
   </p:clrMapOvr>
   <p:transition/>
-  <p:extLst>
-    <p:ext uri="{6950BFC3-D8DA-4A85-94F7-54DA5524770B}">
-      <p188:commentRel xmlns:p188="http://schemas.microsoft.com/office/powerpoint/2018/8/main" r:id="rId3"/>
-    </p:ext>
-  </p:extLst>
 </p:sld>
 </file>
 
@@ -6553,7 +6447,7 @@
           <p:nvPr/>
         </p:nvPicPr>
         <p:blipFill>
-          <a:blip r:embed="rId2">
+          <a:blip r:embed="rId1">
             <a:extLst>
               <a:ext uri="{28A0092B-C50C-407E-A947-70E740481C1C}">
                 <a14:useLocalDpi xmlns:a14="http://schemas.microsoft.com/office/drawing/2010/main" val="0"/>
@@ -6586,11 +6480,6 @@
         </p:spPr>
       </p:pic>
     </p:spTree>
-    <p:extLst>
-      <p:ext uri="{BB962C8B-B14F-4D97-AF65-F5344CB8AC3E}">
-        <p14:creationId xmlns:p14="http://schemas.microsoft.com/office/powerpoint/2010/main" val="2210154690"/>
-      </p:ext>
-    </p:extLst>
   </p:cSld>
   <p:clrMapOvr>
     <a:masterClrMapping/>
@@ -6666,6 +6555,11 @@
               </a:rPr>
               <a:t>While working with UNIX OS, several layers of this system provide interaction between the pc hardware and the user.</a:t>
             </a:r>
+            <a:endParaRPr lang="en-US" dirty="0">
+              <a:highlight>
+                <a:srgbClr val="FFFF00"/>
+              </a:highlight>
+            </a:endParaRPr>
           </a:p>
           <a:p>
             <a:r>
@@ -6676,6 +6570,11 @@
               </a:rPr>
               <a:t>Layer-1: Hardware -</a:t>
             </a:r>
+            <a:endParaRPr lang="en-US" dirty="0">
+              <a:highlight>
+                <a:srgbClr val="FFFF00"/>
+              </a:highlight>
+            </a:endParaRPr>
           </a:p>
           <a:p>
             <a:r>
@@ -6686,6 +6585,11 @@
               </a:rPr>
               <a:t>This layer of UNIX consists of all hardware-related information in the UNIX environment.</a:t>
             </a:r>
+            <a:endParaRPr lang="en-US" dirty="0">
+              <a:highlight>
+                <a:srgbClr val="FFFF00"/>
+              </a:highlight>
+            </a:endParaRPr>
           </a:p>
           <a:p>
             <a:r>
@@ -6696,6 +6600,11 @@
               </a:rPr>
               <a:t>Layer-2: Kernel -</a:t>
             </a:r>
+            <a:endParaRPr lang="en-US" dirty="0">
+              <a:highlight>
+                <a:srgbClr val="FFFF00"/>
+              </a:highlight>
+            </a:endParaRPr>
           </a:p>
           <a:p>
             <a:r>
@@ -6706,6 +6615,11 @@
               </a:rPr>
               <a:t>The core of the operating system that's liable for maintaining the full functionality is named the kernel. </a:t>
             </a:r>
+            <a:endParaRPr lang="en-US" dirty="0">
+              <a:highlight>
+                <a:srgbClr val="FFFF00"/>
+              </a:highlight>
+            </a:endParaRPr>
           </a:p>
           <a:p>
             <a:r>
@@ -6716,6 +6630,11 @@
               </a:rPr>
               <a:t>The kernel of UNIX runs on the particular machine hardware and interacts with the hardware effectively.</a:t>
             </a:r>
+            <a:endParaRPr lang="en-US" dirty="0">
+              <a:highlight>
+                <a:srgbClr val="FFFF00"/>
+              </a:highlight>
+            </a:endParaRPr>
           </a:p>
           <a:p>
             <a:endParaRPr lang="en-IN" dirty="0"/>
@@ -6723,11 +6642,6 @@
         </p:txBody>
       </p:sp>
     </p:spTree>
-    <p:extLst>
-      <p:ext uri="{BB962C8B-B14F-4D97-AF65-F5344CB8AC3E}">
-        <p14:creationId xmlns:p14="http://schemas.microsoft.com/office/powerpoint/2010/main" val="3875351651"/>
-      </p:ext>
-    </p:extLst>
   </p:cSld>
   <p:clrMapOvr>
     <a:masterClrMapping/>
@@ -6789,7 +6703,7 @@
           </p:nvPr>
         </p:nvPicPr>
         <p:blipFill>
-          <a:blip r:embed="rId2">
+          <a:blip r:embed="rId1">
             <a:extLst>
               <a:ext uri="{28A0092B-C50C-407E-A947-70E740481C1C}">
                 <a14:useLocalDpi xmlns:a14="http://schemas.microsoft.com/office/drawing/2010/main" val="0"/>
@@ -6822,11 +6736,6 @@
         </p:spPr>
       </p:pic>
     </p:spTree>
-    <p:extLst>
-      <p:ext uri="{BB962C8B-B14F-4D97-AF65-F5344CB8AC3E}">
-        <p14:creationId xmlns:p14="http://schemas.microsoft.com/office/powerpoint/2010/main" val="793756785"/>
-      </p:ext>
-    </p:extLst>
   </p:cSld>
   <p:clrMapOvr>
     <a:masterClrMapping/>
@@ -6877,7 +6786,7 @@
     </a:clrScheme>
     <a:fontScheme name="Office">
       <a:majorFont>
-        <a:latin typeface="Calibri Light" panose="020F0302020204030204"/>
+        <a:latin typeface="Calibri Light"/>
         <a:ea typeface=""/>
         <a:cs typeface=""/>
         <a:font script="Jpan" typeface="ＭＳ Ｐゴシック"/>
@@ -6912,7 +6821,7 @@
         <a:font script="Geor" typeface="Sylfaen"/>
       </a:majorFont>
       <a:minorFont>
-        <a:latin typeface="Calibri" panose="020F0502020204030204"/>
+        <a:latin typeface="Calibri"/>
         <a:ea typeface=""/>
         <a:cs typeface=""/>
         <a:font script="Jpan" typeface="ＭＳ Ｐゴシック"/>
@@ -7085,8 +6994,6 @@
       </a:bgFillStyleLst>
     </a:fmtScheme>
   </a:themeElements>
-  <a:objectDefaults/>
-  <a:extraClrSchemeLst/>
   <a:extLst>
     <a:ext uri="{05A4C25C-085E-4340-85A3-A5531E510DB2}">
       <thm15:themeFamily xmlns:thm15="http://schemas.microsoft.com/office/thememl/2012/main" name="Office Theme" id="{62F939B6-93AF-4DB8-9C6B-D6C7DFDC589F}" vid="{4A3C46E8-61CC-4603-A589-7422A47A8E4A}"/>
@@ -7138,7 +7045,7 @@
     </a:clrScheme>
     <a:fontScheme name="Office">
       <a:majorFont>
-        <a:latin typeface="Calibri Light" panose="020F0302020204030204"/>
+        <a:latin typeface="Calibri Light"/>
         <a:ea typeface=""/>
         <a:cs typeface=""/>
         <a:font script="Jpan" typeface="ＭＳ Ｐゴシック"/>
@@ -7173,7 +7080,7 @@
         <a:font script="Geor" typeface="Sylfaen"/>
       </a:majorFont>
       <a:minorFont>
-        <a:latin typeface="Calibri" panose="020F0502020204030204"/>
+        <a:latin typeface="Calibri"/>
         <a:ea typeface=""/>
         <a:cs typeface=""/>
         <a:font script="Jpan" typeface="ＭＳ Ｐゴシック"/>
@@ -7346,8 +7253,6 @@
       </a:bgFillStyleLst>
     </a:fmtScheme>
   </a:themeElements>
-  <a:objectDefaults/>
-  <a:extraClrSchemeLst/>
   <a:extLst>
     <a:ext uri="{05A4C25C-085E-4340-85A3-A5531E510DB2}">
       <thm15:themeFamily xmlns:thm15="http://schemas.microsoft.com/office/thememl/2012/main" name="Office Theme" id="{62F939B6-93AF-4DB8-9C6B-D6C7DFDC589F}" vid="{4A3C46E8-61CC-4603-A589-7422A47A8E4A}"/>
